--- a/Smart Energy System.pptx
+++ b/Smart Energy System.pptx
@@ -1,24 +1,119 @@
 
 <file path=ppt/presentation.xml><?xml version="1.0" encoding="utf-8"?>
-<p:presentation xmlns:a="http://schemas.openxmlformats.org/drawingml/2006/main" xmlns:p="http://schemas.openxmlformats.org/presentationml/2006/main" xmlns:r="http://schemas.openxmlformats.org/officeDocument/2006/relationships" xmlns:p14="http://schemas.microsoft.com/office/powerpoint/2010/main" xmlns:p15="http://schemas.microsoft.com/office/powerpoint/2012/main" xmlns:mc="http://schemas.openxmlformats.org/markup-compatibility/2006">
+<p:presentation xmlns:a="http://schemas.openxmlformats.org/drawingml/2006/main" xmlns:r="http://schemas.openxmlformats.org/officeDocument/2006/relationships" xmlns:p="http://schemas.openxmlformats.org/presentationml/2006/main">
   <p:sldMasterIdLst>
-    <p:sldMasterId id="2147483648" r:id="rId2"/>
-    <p:sldMasterId id="2147483661" r:id="rId3"/>
+    <p:sldMasterId id="2147483648" r:id="rId1"/>
+    <p:sldMasterId id="2147483661" r:id="rId2"/>
   </p:sldMasterIdLst>
   <p:sldIdLst>
-    <p:sldId id="256" r:id="rId4"/>
-    <p:sldId id="257" r:id="rId5"/>
-    <p:sldId id="258" r:id="rId6"/>
-    <p:sldId id="259" r:id="rId7"/>
-    <p:sldId id="260" r:id="rId8"/>
+    <p:sldId id="256" r:id="rId3"/>
+    <p:sldId id="257" r:id="rId4"/>
+    <p:sldId id="258" r:id="rId5"/>
+    <p:sldId id="259" r:id="rId6"/>
+    <p:sldId id="260" r:id="rId7"/>
   </p:sldIdLst>
   <p:sldSz cx="12192000" cy="6858000"/>
-  <p:notesSz cx="7559675" cy="10691812"/>
+  <p:notesSz cx="7559675" cy="10691813"/>
+  <p:defaultTextStyle>
+    <a:defPPr>
+      <a:defRPr lang="nl-NL"/>
+    </a:defPPr>
+    <a:lvl1pPr marL="0" algn="l" defTabSz="914400" rtl="0" eaLnBrk="1" latinLnBrk="0" hangingPunct="1">
+      <a:defRPr sz="1800" kern="1200">
+        <a:solidFill>
+          <a:schemeClr val="tx1"/>
+        </a:solidFill>
+        <a:latin typeface="+mn-lt"/>
+        <a:ea typeface="+mn-ea"/>
+        <a:cs typeface="+mn-cs"/>
+      </a:defRPr>
+    </a:lvl1pPr>
+    <a:lvl2pPr marL="457200" algn="l" defTabSz="914400" rtl="0" eaLnBrk="1" latinLnBrk="0" hangingPunct="1">
+      <a:defRPr sz="1800" kern="1200">
+        <a:solidFill>
+          <a:schemeClr val="tx1"/>
+        </a:solidFill>
+        <a:latin typeface="+mn-lt"/>
+        <a:ea typeface="+mn-ea"/>
+        <a:cs typeface="+mn-cs"/>
+      </a:defRPr>
+    </a:lvl2pPr>
+    <a:lvl3pPr marL="914400" algn="l" defTabSz="914400" rtl="0" eaLnBrk="1" latinLnBrk="0" hangingPunct="1">
+      <a:defRPr sz="1800" kern="1200">
+        <a:solidFill>
+          <a:schemeClr val="tx1"/>
+        </a:solidFill>
+        <a:latin typeface="+mn-lt"/>
+        <a:ea typeface="+mn-ea"/>
+        <a:cs typeface="+mn-cs"/>
+      </a:defRPr>
+    </a:lvl3pPr>
+    <a:lvl4pPr marL="1371600" algn="l" defTabSz="914400" rtl="0" eaLnBrk="1" latinLnBrk="0" hangingPunct="1">
+      <a:defRPr sz="1800" kern="1200">
+        <a:solidFill>
+          <a:schemeClr val="tx1"/>
+        </a:solidFill>
+        <a:latin typeface="+mn-lt"/>
+        <a:ea typeface="+mn-ea"/>
+        <a:cs typeface="+mn-cs"/>
+      </a:defRPr>
+    </a:lvl4pPr>
+    <a:lvl5pPr marL="1828800" algn="l" defTabSz="914400" rtl="0" eaLnBrk="1" latinLnBrk="0" hangingPunct="1">
+      <a:defRPr sz="1800" kern="1200">
+        <a:solidFill>
+          <a:schemeClr val="tx1"/>
+        </a:solidFill>
+        <a:latin typeface="+mn-lt"/>
+        <a:ea typeface="+mn-ea"/>
+        <a:cs typeface="+mn-cs"/>
+      </a:defRPr>
+    </a:lvl5pPr>
+    <a:lvl6pPr marL="2286000" algn="l" defTabSz="914400" rtl="0" eaLnBrk="1" latinLnBrk="0" hangingPunct="1">
+      <a:defRPr sz="1800" kern="1200">
+        <a:solidFill>
+          <a:schemeClr val="tx1"/>
+        </a:solidFill>
+        <a:latin typeface="+mn-lt"/>
+        <a:ea typeface="+mn-ea"/>
+        <a:cs typeface="+mn-cs"/>
+      </a:defRPr>
+    </a:lvl6pPr>
+    <a:lvl7pPr marL="2743200" algn="l" defTabSz="914400" rtl="0" eaLnBrk="1" latinLnBrk="0" hangingPunct="1">
+      <a:defRPr sz="1800" kern="1200">
+        <a:solidFill>
+          <a:schemeClr val="tx1"/>
+        </a:solidFill>
+        <a:latin typeface="+mn-lt"/>
+        <a:ea typeface="+mn-ea"/>
+        <a:cs typeface="+mn-cs"/>
+      </a:defRPr>
+    </a:lvl7pPr>
+    <a:lvl8pPr marL="3200400" algn="l" defTabSz="914400" rtl="0" eaLnBrk="1" latinLnBrk="0" hangingPunct="1">
+      <a:defRPr sz="1800" kern="1200">
+        <a:solidFill>
+          <a:schemeClr val="tx1"/>
+        </a:solidFill>
+        <a:latin typeface="+mn-lt"/>
+        <a:ea typeface="+mn-ea"/>
+        <a:cs typeface="+mn-cs"/>
+      </a:defRPr>
+    </a:lvl8pPr>
+    <a:lvl9pPr marL="3657600" algn="l" defTabSz="914400" rtl="0" eaLnBrk="1" latinLnBrk="0" hangingPunct="1">
+      <a:defRPr sz="1800" kern="1200">
+        <a:solidFill>
+          <a:schemeClr val="tx1"/>
+        </a:solidFill>
+        <a:latin typeface="+mn-lt"/>
+        <a:ea typeface="+mn-ea"/>
+        <a:cs typeface="+mn-cs"/>
+      </a:defRPr>
+    </a:lvl9pPr>
+  </p:defaultTextStyle>
 </p:presentation>
 </file>
 
 <file path=ppt/slideLayouts/slideLayout1.xml><?xml version="1.0" encoding="utf-8"?>
-<p:sldLayout xmlns:a="http://schemas.openxmlformats.org/drawingml/2006/main" xmlns:p="http://schemas.openxmlformats.org/presentationml/2006/main" xmlns:r="http://schemas.openxmlformats.org/officeDocument/2006/relationships" xmlns:p14="http://schemas.microsoft.com/office/powerpoint/2010/main" xmlns:p15="http://schemas.microsoft.com/office/powerpoint/2012/main" xmlns:mc="http://schemas.openxmlformats.org/markup-compatibility/2006" type="blank" preserve="1">
+<p:sldLayout xmlns:a="http://schemas.openxmlformats.org/drawingml/2006/main" xmlns:r="http://schemas.openxmlformats.org/officeDocument/2006/relationships" xmlns:p="http://schemas.openxmlformats.org/presentationml/2006/main" type="blank" preserve="1">
   <p:cSld name="Blank Slide">
     <p:spTree>
       <p:nvGrpSpPr>
@@ -36,11 +131,14 @@
       </p:grpSpPr>
     </p:spTree>
   </p:cSld>
+  <p:clrMapOvr>
+    <a:masterClrMapping/>
+  </p:clrMapOvr>
 </p:sldLayout>
 </file>
 
 <file path=ppt/slideLayouts/slideLayout10.xml><?xml version="1.0" encoding="utf-8"?>
-<p:sldLayout xmlns:a="http://schemas.openxmlformats.org/drawingml/2006/main" xmlns:p="http://schemas.openxmlformats.org/presentationml/2006/main" xmlns:r="http://schemas.openxmlformats.org/officeDocument/2006/relationships" xmlns:p14="http://schemas.microsoft.com/office/powerpoint/2010/main" xmlns:p15="http://schemas.microsoft.com/office/powerpoint/2012/main" xmlns:mc="http://schemas.openxmlformats.org/markup-compatibility/2006" type="objOverTx" preserve="1">
+<p:sldLayout xmlns:a="http://schemas.openxmlformats.org/drawingml/2006/main" xmlns:r="http://schemas.openxmlformats.org/officeDocument/2006/relationships" xmlns:p="http://schemas.openxmlformats.org/presentationml/2006/main" type="objOverTx" preserve="1">
   <p:cSld name="Title, Content over Content">
     <p:spTree>
       <p:nvGrpSpPr>
@@ -76,11 +174,12 @@
           </a:prstGeom>
         </p:spPr>
         <p:txBody>
-          <a:bodyPr lIns="0" rIns="0" tIns="0" bIns="0" anchor="ctr"/>
-          <a:p>
-            <a:endParaRPr b="0" lang="en-US" sz="1800" spc="-1" strike="noStrike">
-              <a:solidFill>
-                <a:srgbClr val="2e2b21"/>
+          <a:bodyPr lIns="0" tIns="0" rIns="0" bIns="0" anchor="ctr"/>
+          <a:lstStyle/>
+          <a:p>
+            <a:endParaRPr lang="en-US" sz="1800" b="0" strike="noStrike" spc="-1">
+              <a:solidFill>
+                <a:srgbClr val="2E2B21"/>
               </a:solidFill>
               <a:latin typeface="Tw Cen MT"/>
             </a:endParaRPr>
@@ -107,13 +206,14 @@
           </a:prstGeom>
         </p:spPr>
         <p:txBody>
-          <a:bodyPr lIns="0" rIns="0" tIns="0" bIns="0">
+          <a:bodyPr lIns="0" tIns="0" rIns="0" bIns="0">
             <a:normAutofit/>
           </a:bodyPr>
-          <a:p>
-            <a:endParaRPr b="0" lang="en-US" sz="2200" spc="-1" strike="noStrike">
-              <a:solidFill>
-                <a:srgbClr val="2e2b21"/>
+          <a:lstStyle/>
+          <a:p>
+            <a:endParaRPr lang="en-US" sz="2200" b="0" strike="noStrike" spc="-1">
+              <a:solidFill>
+                <a:srgbClr val="2E2B21"/>
               </a:solidFill>
               <a:latin typeface="Tw Cen MT"/>
             </a:endParaRPr>
@@ -140,13 +240,14 @@
           </a:prstGeom>
         </p:spPr>
         <p:txBody>
-          <a:bodyPr lIns="0" rIns="0" tIns="0" bIns="0">
+          <a:bodyPr lIns="0" tIns="0" rIns="0" bIns="0">
             <a:normAutofit/>
           </a:bodyPr>
-          <a:p>
-            <a:endParaRPr b="0" lang="en-US" sz="2200" spc="-1" strike="noStrike">
-              <a:solidFill>
-                <a:srgbClr val="2e2b21"/>
+          <a:lstStyle/>
+          <a:p>
+            <a:endParaRPr lang="en-US" sz="2200" b="0" strike="noStrike" spc="-1">
+              <a:solidFill>
+                <a:srgbClr val="2E2B21"/>
               </a:solidFill>
               <a:latin typeface="Tw Cen MT"/>
             </a:endParaRPr>
@@ -155,11 +256,14 @@
       </p:sp>
     </p:spTree>
   </p:cSld>
+  <p:clrMapOvr>
+    <a:masterClrMapping/>
+  </p:clrMapOvr>
 </p:sldLayout>
 </file>
 
 <file path=ppt/slideLayouts/slideLayout11.xml><?xml version="1.0" encoding="utf-8"?>
-<p:sldLayout xmlns:a="http://schemas.openxmlformats.org/drawingml/2006/main" xmlns:p="http://schemas.openxmlformats.org/presentationml/2006/main" xmlns:r="http://schemas.openxmlformats.org/officeDocument/2006/relationships" xmlns:p14="http://schemas.microsoft.com/office/powerpoint/2010/main" xmlns:p15="http://schemas.microsoft.com/office/powerpoint/2012/main" xmlns:mc="http://schemas.openxmlformats.org/markup-compatibility/2006" type="fourObj" preserve="1">
+<p:sldLayout xmlns:a="http://schemas.openxmlformats.org/drawingml/2006/main" xmlns:r="http://schemas.openxmlformats.org/officeDocument/2006/relationships" xmlns:p="http://schemas.openxmlformats.org/presentationml/2006/main" type="fourObj" preserve="1">
   <p:cSld name="Title, 4 Content">
     <p:spTree>
       <p:nvGrpSpPr>
@@ -195,11 +299,12 @@
           </a:prstGeom>
         </p:spPr>
         <p:txBody>
-          <a:bodyPr lIns="0" rIns="0" tIns="0" bIns="0" anchor="ctr"/>
-          <a:p>
-            <a:endParaRPr b="0" lang="en-US" sz="1800" spc="-1" strike="noStrike">
-              <a:solidFill>
-                <a:srgbClr val="2e2b21"/>
+          <a:bodyPr lIns="0" tIns="0" rIns="0" bIns="0" anchor="ctr"/>
+          <a:lstStyle/>
+          <a:p>
+            <a:endParaRPr lang="en-US" sz="1800" b="0" strike="noStrike" spc="-1">
+              <a:solidFill>
+                <a:srgbClr val="2E2B21"/>
               </a:solidFill>
               <a:latin typeface="Tw Cen MT"/>
             </a:endParaRPr>
@@ -226,13 +331,14 @@
           </a:prstGeom>
         </p:spPr>
         <p:txBody>
-          <a:bodyPr lIns="0" rIns="0" tIns="0" bIns="0">
+          <a:bodyPr lIns="0" tIns="0" rIns="0" bIns="0">
             <a:normAutofit/>
           </a:bodyPr>
-          <a:p>
-            <a:endParaRPr b="0" lang="en-US" sz="2200" spc="-1" strike="noStrike">
-              <a:solidFill>
-                <a:srgbClr val="2e2b21"/>
+          <a:lstStyle/>
+          <a:p>
+            <a:endParaRPr lang="en-US" sz="2200" b="0" strike="noStrike" spc="-1">
+              <a:solidFill>
+                <a:srgbClr val="2E2B21"/>
               </a:solidFill>
               <a:latin typeface="Tw Cen MT"/>
             </a:endParaRPr>
@@ -259,13 +365,14 @@
           </a:prstGeom>
         </p:spPr>
         <p:txBody>
-          <a:bodyPr lIns="0" rIns="0" tIns="0" bIns="0">
+          <a:bodyPr lIns="0" tIns="0" rIns="0" bIns="0">
             <a:normAutofit/>
           </a:bodyPr>
-          <a:p>
-            <a:endParaRPr b="0" lang="en-US" sz="2200" spc="-1" strike="noStrike">
-              <a:solidFill>
-                <a:srgbClr val="2e2b21"/>
+          <a:lstStyle/>
+          <a:p>
+            <a:endParaRPr lang="en-US" sz="2200" b="0" strike="noStrike" spc="-1">
+              <a:solidFill>
+                <a:srgbClr val="2E2B21"/>
               </a:solidFill>
               <a:latin typeface="Tw Cen MT"/>
             </a:endParaRPr>
@@ -292,13 +399,14 @@
           </a:prstGeom>
         </p:spPr>
         <p:txBody>
-          <a:bodyPr lIns="0" rIns="0" tIns="0" bIns="0">
+          <a:bodyPr lIns="0" tIns="0" rIns="0" bIns="0">
             <a:normAutofit/>
           </a:bodyPr>
-          <a:p>
-            <a:endParaRPr b="0" lang="en-US" sz="2200" spc="-1" strike="noStrike">
-              <a:solidFill>
-                <a:srgbClr val="2e2b21"/>
+          <a:lstStyle/>
+          <a:p>
+            <a:endParaRPr lang="en-US" sz="2200" b="0" strike="noStrike" spc="-1">
+              <a:solidFill>
+                <a:srgbClr val="2E2B21"/>
               </a:solidFill>
               <a:latin typeface="Tw Cen MT"/>
             </a:endParaRPr>
@@ -325,13 +433,14 @@
           </a:prstGeom>
         </p:spPr>
         <p:txBody>
-          <a:bodyPr lIns="0" rIns="0" tIns="0" bIns="0">
+          <a:bodyPr lIns="0" tIns="0" rIns="0" bIns="0">
             <a:normAutofit/>
           </a:bodyPr>
-          <a:p>
-            <a:endParaRPr b="0" lang="en-US" sz="2200" spc="-1" strike="noStrike">
-              <a:solidFill>
-                <a:srgbClr val="2e2b21"/>
+          <a:lstStyle/>
+          <a:p>
+            <a:endParaRPr lang="en-US" sz="2200" b="0" strike="noStrike" spc="-1">
+              <a:solidFill>
+                <a:srgbClr val="2E2B21"/>
               </a:solidFill>
               <a:latin typeface="Tw Cen MT"/>
             </a:endParaRPr>
@@ -340,11 +449,14 @@
       </p:sp>
     </p:spTree>
   </p:cSld>
+  <p:clrMapOvr>
+    <a:masterClrMapping/>
+  </p:clrMapOvr>
 </p:sldLayout>
 </file>
 
 <file path=ppt/slideLayouts/slideLayout12.xml><?xml version="1.0" encoding="utf-8"?>
-<p:sldLayout xmlns:a="http://schemas.openxmlformats.org/drawingml/2006/main" xmlns:p="http://schemas.openxmlformats.org/presentationml/2006/main" xmlns:r="http://schemas.openxmlformats.org/officeDocument/2006/relationships" xmlns:p14="http://schemas.microsoft.com/office/powerpoint/2010/main" xmlns:p15="http://schemas.microsoft.com/office/powerpoint/2012/main" xmlns:mc="http://schemas.openxmlformats.org/markup-compatibility/2006" type="blank" preserve="1">
+<p:sldLayout xmlns:a="http://schemas.openxmlformats.org/drawingml/2006/main" xmlns:r="http://schemas.openxmlformats.org/officeDocument/2006/relationships" xmlns:p="http://schemas.openxmlformats.org/presentationml/2006/main" type="blank" preserve="1">
   <p:cSld name="Title, 6 Content">
     <p:spTree>
       <p:nvGrpSpPr>
@@ -380,11 +492,12 @@
           </a:prstGeom>
         </p:spPr>
         <p:txBody>
-          <a:bodyPr lIns="0" rIns="0" tIns="0" bIns="0" anchor="ctr"/>
-          <a:p>
-            <a:endParaRPr b="0" lang="en-US" sz="1800" spc="-1" strike="noStrike">
-              <a:solidFill>
-                <a:srgbClr val="2e2b21"/>
+          <a:bodyPr lIns="0" tIns="0" rIns="0" bIns="0" anchor="ctr"/>
+          <a:lstStyle/>
+          <a:p>
+            <a:endParaRPr lang="en-US" sz="1800" b="0" strike="noStrike" spc="-1">
+              <a:solidFill>
+                <a:srgbClr val="2E2B21"/>
               </a:solidFill>
               <a:latin typeface="Tw Cen MT"/>
             </a:endParaRPr>
@@ -411,13 +524,14 @@
           </a:prstGeom>
         </p:spPr>
         <p:txBody>
-          <a:bodyPr lIns="0" rIns="0" tIns="0" bIns="0">
+          <a:bodyPr lIns="0" tIns="0" rIns="0" bIns="0">
             <a:normAutofit/>
           </a:bodyPr>
-          <a:p>
-            <a:endParaRPr b="0" lang="en-US" sz="2200" spc="-1" strike="noStrike">
-              <a:solidFill>
-                <a:srgbClr val="2e2b21"/>
+          <a:lstStyle/>
+          <a:p>
+            <a:endParaRPr lang="en-US" sz="2200" b="0" strike="noStrike" spc="-1">
+              <a:solidFill>
+                <a:srgbClr val="2E2B21"/>
               </a:solidFill>
               <a:latin typeface="Tw Cen MT"/>
             </a:endParaRPr>
@@ -444,13 +558,14 @@
           </a:prstGeom>
         </p:spPr>
         <p:txBody>
-          <a:bodyPr lIns="0" rIns="0" tIns="0" bIns="0">
+          <a:bodyPr lIns="0" tIns="0" rIns="0" bIns="0">
             <a:normAutofit/>
           </a:bodyPr>
-          <a:p>
-            <a:endParaRPr b="0" lang="en-US" sz="2200" spc="-1" strike="noStrike">
-              <a:solidFill>
-                <a:srgbClr val="2e2b21"/>
+          <a:lstStyle/>
+          <a:p>
+            <a:endParaRPr lang="en-US" sz="2200" b="0" strike="noStrike" spc="-1">
+              <a:solidFill>
+                <a:srgbClr val="2E2B21"/>
               </a:solidFill>
               <a:latin typeface="Tw Cen MT"/>
             </a:endParaRPr>
@@ -477,13 +592,14 @@
           </a:prstGeom>
         </p:spPr>
         <p:txBody>
-          <a:bodyPr lIns="0" rIns="0" tIns="0" bIns="0">
+          <a:bodyPr lIns="0" tIns="0" rIns="0" bIns="0">
             <a:normAutofit/>
           </a:bodyPr>
-          <a:p>
-            <a:endParaRPr b="0" lang="en-US" sz="2200" spc="-1" strike="noStrike">
-              <a:solidFill>
-                <a:srgbClr val="2e2b21"/>
+          <a:lstStyle/>
+          <a:p>
+            <a:endParaRPr lang="en-US" sz="2200" b="0" strike="noStrike" spc="-1">
+              <a:solidFill>
+                <a:srgbClr val="2E2B21"/>
               </a:solidFill>
               <a:latin typeface="Tw Cen MT"/>
             </a:endParaRPr>
@@ -510,13 +626,14 @@
           </a:prstGeom>
         </p:spPr>
         <p:txBody>
-          <a:bodyPr lIns="0" rIns="0" tIns="0" bIns="0">
+          <a:bodyPr lIns="0" tIns="0" rIns="0" bIns="0">
             <a:normAutofit/>
           </a:bodyPr>
-          <a:p>
-            <a:endParaRPr b="0" lang="en-US" sz="2200" spc="-1" strike="noStrike">
-              <a:solidFill>
-                <a:srgbClr val="2e2b21"/>
+          <a:lstStyle/>
+          <a:p>
+            <a:endParaRPr lang="en-US" sz="2200" b="0" strike="noStrike" spc="-1">
+              <a:solidFill>
+                <a:srgbClr val="2E2B21"/>
               </a:solidFill>
               <a:latin typeface="Tw Cen MT"/>
             </a:endParaRPr>
@@ -543,13 +660,14 @@
           </a:prstGeom>
         </p:spPr>
         <p:txBody>
-          <a:bodyPr lIns="0" rIns="0" tIns="0" bIns="0">
+          <a:bodyPr lIns="0" tIns="0" rIns="0" bIns="0">
             <a:normAutofit/>
           </a:bodyPr>
-          <a:p>
-            <a:endParaRPr b="0" lang="en-US" sz="2200" spc="-1" strike="noStrike">
-              <a:solidFill>
-                <a:srgbClr val="2e2b21"/>
+          <a:lstStyle/>
+          <a:p>
+            <a:endParaRPr lang="en-US" sz="2200" b="0" strike="noStrike" spc="-1">
+              <a:solidFill>
+                <a:srgbClr val="2E2B21"/>
               </a:solidFill>
               <a:latin typeface="Tw Cen MT"/>
             </a:endParaRPr>
@@ -576,13 +694,14 @@
           </a:prstGeom>
         </p:spPr>
         <p:txBody>
-          <a:bodyPr lIns="0" rIns="0" tIns="0" bIns="0">
+          <a:bodyPr lIns="0" tIns="0" rIns="0" bIns="0">
             <a:normAutofit/>
           </a:bodyPr>
-          <a:p>
-            <a:endParaRPr b="0" lang="en-US" sz="2200" spc="-1" strike="noStrike">
-              <a:solidFill>
-                <a:srgbClr val="2e2b21"/>
+          <a:lstStyle/>
+          <a:p>
+            <a:endParaRPr lang="en-US" sz="2200" b="0" strike="noStrike" spc="-1">
+              <a:solidFill>
+                <a:srgbClr val="2E2B21"/>
               </a:solidFill>
               <a:latin typeface="Tw Cen MT"/>
             </a:endParaRPr>
@@ -591,11 +710,14 @@
       </p:sp>
     </p:spTree>
   </p:cSld>
+  <p:clrMapOvr>
+    <a:masterClrMapping/>
+  </p:clrMapOvr>
 </p:sldLayout>
 </file>
 
 <file path=ppt/slideLayouts/slideLayout13.xml><?xml version="1.0" encoding="utf-8"?>
-<p:sldLayout xmlns:a="http://schemas.openxmlformats.org/drawingml/2006/main" xmlns:p="http://schemas.openxmlformats.org/presentationml/2006/main" xmlns:r="http://schemas.openxmlformats.org/officeDocument/2006/relationships" xmlns:p14="http://schemas.microsoft.com/office/powerpoint/2010/main" xmlns:p15="http://schemas.microsoft.com/office/powerpoint/2012/main" xmlns:mc="http://schemas.openxmlformats.org/markup-compatibility/2006" type="blank" preserve="1">
+<p:sldLayout xmlns:a="http://schemas.openxmlformats.org/drawingml/2006/main" xmlns:r="http://schemas.openxmlformats.org/officeDocument/2006/relationships" xmlns:p="http://schemas.openxmlformats.org/presentationml/2006/main" type="blank" preserve="1">
   <p:cSld name="Blank Slide">
     <p:spTree>
       <p:nvGrpSpPr>
@@ -613,11 +735,14 @@
       </p:grpSpPr>
     </p:spTree>
   </p:cSld>
+  <p:clrMapOvr>
+    <a:masterClrMapping/>
+  </p:clrMapOvr>
 </p:sldLayout>
 </file>
 
 <file path=ppt/slideLayouts/slideLayout14.xml><?xml version="1.0" encoding="utf-8"?>
-<p:sldLayout xmlns:a="http://schemas.openxmlformats.org/drawingml/2006/main" xmlns:p="http://schemas.openxmlformats.org/presentationml/2006/main" xmlns:r="http://schemas.openxmlformats.org/officeDocument/2006/relationships" xmlns:p14="http://schemas.microsoft.com/office/powerpoint/2010/main" xmlns:p15="http://schemas.microsoft.com/office/powerpoint/2012/main" xmlns:mc="http://schemas.openxmlformats.org/markup-compatibility/2006" type="tx" preserve="1">
+<p:sldLayout xmlns:a="http://schemas.openxmlformats.org/drawingml/2006/main" xmlns:r="http://schemas.openxmlformats.org/officeDocument/2006/relationships" xmlns:p="http://schemas.openxmlformats.org/presentationml/2006/main" type="tx" preserve="1">
   <p:cSld name="Title Slide">
     <p:spTree>
       <p:nvGrpSpPr>
@@ -653,11 +778,12 @@
           </a:prstGeom>
         </p:spPr>
         <p:txBody>
-          <a:bodyPr lIns="0" rIns="0" tIns="0" bIns="0" anchor="ctr"/>
-          <a:p>
-            <a:endParaRPr b="0" lang="en-US" sz="1800" spc="-1" strike="noStrike">
-              <a:solidFill>
-                <a:srgbClr val="2e2b21"/>
+          <a:bodyPr lIns="0" tIns="0" rIns="0" bIns="0" anchor="ctr"/>
+          <a:lstStyle/>
+          <a:p>
+            <a:endParaRPr lang="en-US" sz="1800" b="0" strike="noStrike" spc="-1">
+              <a:solidFill>
+                <a:srgbClr val="2E2B21"/>
               </a:solidFill>
               <a:latin typeface="Tw Cen MT"/>
             </a:endParaRPr>
@@ -684,10 +810,11 @@
           </a:prstGeom>
         </p:spPr>
         <p:txBody>
-          <a:bodyPr lIns="0" rIns="0" tIns="0" bIns="0" anchor="ctr"/>
+          <a:bodyPr lIns="0" tIns="0" rIns="0" bIns="0" anchor="ctr"/>
+          <a:lstStyle/>
           <a:p>
             <a:pPr algn="ctr"/>
-            <a:endParaRPr b="0" lang="en-US" sz="3200" spc="-1" strike="noStrike">
+            <a:endParaRPr lang="en-US" sz="3200" b="0" strike="noStrike" spc="-1">
               <a:latin typeface="Arial"/>
             </a:endParaRPr>
           </a:p>
@@ -695,11 +822,14 @@
       </p:sp>
     </p:spTree>
   </p:cSld>
+  <p:clrMapOvr>
+    <a:masterClrMapping/>
+  </p:clrMapOvr>
 </p:sldLayout>
 </file>
 
 <file path=ppt/slideLayouts/slideLayout15.xml><?xml version="1.0" encoding="utf-8"?>
-<p:sldLayout xmlns:a="http://schemas.openxmlformats.org/drawingml/2006/main" xmlns:p="http://schemas.openxmlformats.org/presentationml/2006/main" xmlns:r="http://schemas.openxmlformats.org/officeDocument/2006/relationships" xmlns:p14="http://schemas.microsoft.com/office/powerpoint/2010/main" xmlns:p15="http://schemas.microsoft.com/office/powerpoint/2012/main" xmlns:mc="http://schemas.openxmlformats.org/markup-compatibility/2006" type="obj" preserve="1">
+<p:sldLayout xmlns:a="http://schemas.openxmlformats.org/drawingml/2006/main" xmlns:r="http://schemas.openxmlformats.org/officeDocument/2006/relationships" xmlns:p="http://schemas.openxmlformats.org/presentationml/2006/main" type="obj" preserve="1">
   <p:cSld name="Title, Content">
     <p:spTree>
       <p:nvGrpSpPr>
@@ -735,11 +865,12 @@
           </a:prstGeom>
         </p:spPr>
         <p:txBody>
-          <a:bodyPr lIns="0" rIns="0" tIns="0" bIns="0" anchor="ctr"/>
-          <a:p>
-            <a:endParaRPr b="0" lang="en-US" sz="1800" spc="-1" strike="noStrike">
-              <a:solidFill>
-                <a:srgbClr val="2e2b21"/>
+          <a:bodyPr lIns="0" tIns="0" rIns="0" bIns="0" anchor="ctr"/>
+          <a:lstStyle/>
+          <a:p>
+            <a:endParaRPr lang="en-US" sz="1800" b="0" strike="noStrike" spc="-1">
+              <a:solidFill>
+                <a:srgbClr val="2E2B21"/>
               </a:solidFill>
               <a:latin typeface="Tw Cen MT"/>
             </a:endParaRPr>
@@ -766,13 +897,14 @@
           </a:prstGeom>
         </p:spPr>
         <p:txBody>
-          <a:bodyPr lIns="0" rIns="0" tIns="0" bIns="0">
+          <a:bodyPr lIns="0" tIns="0" rIns="0" bIns="0">
             <a:normAutofit/>
           </a:bodyPr>
-          <a:p>
-            <a:endParaRPr b="0" lang="en-US" sz="2200" spc="-1" strike="noStrike">
-              <a:solidFill>
-                <a:srgbClr val="2e2b21"/>
+          <a:lstStyle/>
+          <a:p>
+            <a:endParaRPr lang="en-US" sz="2200" b="0" strike="noStrike" spc="-1">
+              <a:solidFill>
+                <a:srgbClr val="2E2B21"/>
               </a:solidFill>
               <a:latin typeface="Tw Cen MT"/>
             </a:endParaRPr>
@@ -781,11 +913,14 @@
       </p:sp>
     </p:spTree>
   </p:cSld>
+  <p:clrMapOvr>
+    <a:masterClrMapping/>
+  </p:clrMapOvr>
 </p:sldLayout>
 </file>
 
 <file path=ppt/slideLayouts/slideLayout16.xml><?xml version="1.0" encoding="utf-8"?>
-<p:sldLayout xmlns:a="http://schemas.openxmlformats.org/drawingml/2006/main" xmlns:p="http://schemas.openxmlformats.org/presentationml/2006/main" xmlns:r="http://schemas.openxmlformats.org/officeDocument/2006/relationships" xmlns:p14="http://schemas.microsoft.com/office/powerpoint/2010/main" xmlns:p15="http://schemas.microsoft.com/office/powerpoint/2012/main" xmlns:mc="http://schemas.openxmlformats.org/markup-compatibility/2006" type="twoObj" preserve="1">
+<p:sldLayout xmlns:a="http://schemas.openxmlformats.org/drawingml/2006/main" xmlns:r="http://schemas.openxmlformats.org/officeDocument/2006/relationships" xmlns:p="http://schemas.openxmlformats.org/presentationml/2006/main" type="twoObj" preserve="1">
   <p:cSld name="Title, 2 Content">
     <p:spTree>
       <p:nvGrpSpPr>
@@ -821,11 +956,12 @@
           </a:prstGeom>
         </p:spPr>
         <p:txBody>
-          <a:bodyPr lIns="0" rIns="0" tIns="0" bIns="0" anchor="ctr"/>
-          <a:p>
-            <a:endParaRPr b="0" lang="en-US" sz="1800" spc="-1" strike="noStrike">
-              <a:solidFill>
-                <a:srgbClr val="2e2b21"/>
+          <a:bodyPr lIns="0" tIns="0" rIns="0" bIns="0" anchor="ctr"/>
+          <a:lstStyle/>
+          <a:p>
+            <a:endParaRPr lang="en-US" sz="1800" b="0" strike="noStrike" spc="-1">
+              <a:solidFill>
+                <a:srgbClr val="2E2B21"/>
               </a:solidFill>
               <a:latin typeface="Tw Cen MT"/>
             </a:endParaRPr>
@@ -852,13 +988,14 @@
           </a:prstGeom>
         </p:spPr>
         <p:txBody>
-          <a:bodyPr lIns="0" rIns="0" tIns="0" bIns="0">
+          <a:bodyPr lIns="0" tIns="0" rIns="0" bIns="0">
             <a:normAutofit/>
           </a:bodyPr>
-          <a:p>
-            <a:endParaRPr b="0" lang="en-US" sz="2200" spc="-1" strike="noStrike">
-              <a:solidFill>
-                <a:srgbClr val="2e2b21"/>
+          <a:lstStyle/>
+          <a:p>
+            <a:endParaRPr lang="en-US" sz="2200" b="0" strike="noStrike" spc="-1">
+              <a:solidFill>
+                <a:srgbClr val="2E2B21"/>
               </a:solidFill>
               <a:latin typeface="Tw Cen MT"/>
             </a:endParaRPr>
@@ -885,13 +1022,14 @@
           </a:prstGeom>
         </p:spPr>
         <p:txBody>
-          <a:bodyPr lIns="0" rIns="0" tIns="0" bIns="0">
+          <a:bodyPr lIns="0" tIns="0" rIns="0" bIns="0">
             <a:normAutofit/>
           </a:bodyPr>
-          <a:p>
-            <a:endParaRPr b="0" lang="en-US" sz="2200" spc="-1" strike="noStrike">
-              <a:solidFill>
-                <a:srgbClr val="2e2b21"/>
+          <a:lstStyle/>
+          <a:p>
+            <a:endParaRPr lang="en-US" sz="2200" b="0" strike="noStrike" spc="-1">
+              <a:solidFill>
+                <a:srgbClr val="2E2B21"/>
               </a:solidFill>
               <a:latin typeface="Tw Cen MT"/>
             </a:endParaRPr>
@@ -900,11 +1038,14 @@
       </p:sp>
     </p:spTree>
   </p:cSld>
+  <p:clrMapOvr>
+    <a:masterClrMapping/>
+  </p:clrMapOvr>
 </p:sldLayout>
 </file>
 
 <file path=ppt/slideLayouts/slideLayout17.xml><?xml version="1.0" encoding="utf-8"?>
-<p:sldLayout xmlns:a="http://schemas.openxmlformats.org/drawingml/2006/main" xmlns:p="http://schemas.openxmlformats.org/presentationml/2006/main" xmlns:r="http://schemas.openxmlformats.org/officeDocument/2006/relationships" xmlns:p14="http://schemas.microsoft.com/office/powerpoint/2010/main" xmlns:p15="http://schemas.microsoft.com/office/powerpoint/2012/main" xmlns:mc="http://schemas.openxmlformats.org/markup-compatibility/2006" type="titleOnly" preserve="1">
+<p:sldLayout xmlns:a="http://schemas.openxmlformats.org/drawingml/2006/main" xmlns:r="http://schemas.openxmlformats.org/officeDocument/2006/relationships" xmlns:p="http://schemas.openxmlformats.org/presentationml/2006/main" type="titleOnly" preserve="1">
   <p:cSld name="Title Only">
     <p:spTree>
       <p:nvGrpSpPr>
@@ -940,11 +1081,12 @@
           </a:prstGeom>
         </p:spPr>
         <p:txBody>
-          <a:bodyPr lIns="0" rIns="0" tIns="0" bIns="0" anchor="ctr"/>
-          <a:p>
-            <a:endParaRPr b="0" lang="en-US" sz="1800" spc="-1" strike="noStrike">
-              <a:solidFill>
-                <a:srgbClr val="2e2b21"/>
+          <a:bodyPr lIns="0" tIns="0" rIns="0" bIns="0" anchor="ctr"/>
+          <a:lstStyle/>
+          <a:p>
+            <a:endParaRPr lang="en-US" sz="1800" b="0" strike="noStrike" spc="-1">
+              <a:solidFill>
+                <a:srgbClr val="2E2B21"/>
               </a:solidFill>
               <a:latin typeface="Tw Cen MT"/>
             </a:endParaRPr>
@@ -953,11 +1095,14 @@
       </p:sp>
     </p:spTree>
   </p:cSld>
+  <p:clrMapOvr>
+    <a:masterClrMapping/>
+  </p:clrMapOvr>
 </p:sldLayout>
 </file>
 
 <file path=ppt/slideLayouts/slideLayout18.xml><?xml version="1.0" encoding="utf-8"?>
-<p:sldLayout xmlns:a="http://schemas.openxmlformats.org/drawingml/2006/main" xmlns:p="http://schemas.openxmlformats.org/presentationml/2006/main" xmlns:r="http://schemas.openxmlformats.org/officeDocument/2006/relationships" xmlns:p14="http://schemas.microsoft.com/office/powerpoint/2010/main" xmlns:p15="http://schemas.microsoft.com/office/powerpoint/2012/main" xmlns:mc="http://schemas.openxmlformats.org/markup-compatibility/2006" type="objOnly" preserve="1">
+<p:sldLayout xmlns:a="http://schemas.openxmlformats.org/drawingml/2006/main" xmlns:r="http://schemas.openxmlformats.org/officeDocument/2006/relationships" xmlns:p="http://schemas.openxmlformats.org/presentationml/2006/main" type="objOnly" preserve="1">
   <p:cSld name="Centered Text">
     <p:spTree>
       <p:nvGrpSpPr>
@@ -993,10 +1138,11 @@
           </a:prstGeom>
         </p:spPr>
         <p:txBody>
-          <a:bodyPr lIns="0" rIns="0" tIns="0" bIns="0" anchor="ctr"/>
+          <a:bodyPr lIns="0" tIns="0" rIns="0" bIns="0" anchor="ctr"/>
+          <a:lstStyle/>
           <a:p>
             <a:pPr algn="ctr"/>
-            <a:endParaRPr b="0" lang="en-US" sz="3200" spc="-1" strike="noStrike">
+            <a:endParaRPr lang="en-US" sz="3200" b="0" strike="noStrike" spc="-1">
               <a:latin typeface="Arial"/>
             </a:endParaRPr>
           </a:p>
@@ -1004,11 +1150,14 @@
       </p:sp>
     </p:spTree>
   </p:cSld>
+  <p:clrMapOvr>
+    <a:masterClrMapping/>
+  </p:clrMapOvr>
 </p:sldLayout>
 </file>
 
 <file path=ppt/slideLayouts/slideLayout19.xml><?xml version="1.0" encoding="utf-8"?>
-<p:sldLayout xmlns:a="http://schemas.openxmlformats.org/drawingml/2006/main" xmlns:p="http://schemas.openxmlformats.org/presentationml/2006/main" xmlns:r="http://schemas.openxmlformats.org/officeDocument/2006/relationships" xmlns:p14="http://schemas.microsoft.com/office/powerpoint/2010/main" xmlns:p15="http://schemas.microsoft.com/office/powerpoint/2012/main" xmlns:mc="http://schemas.openxmlformats.org/markup-compatibility/2006" type="twoObjAndObj" preserve="1">
+<p:sldLayout xmlns:a="http://schemas.openxmlformats.org/drawingml/2006/main" xmlns:r="http://schemas.openxmlformats.org/officeDocument/2006/relationships" xmlns:p="http://schemas.openxmlformats.org/presentationml/2006/main" type="twoObjAndObj" preserve="1">
   <p:cSld name="Title, 2 Content and Content">
     <p:spTree>
       <p:nvGrpSpPr>
@@ -1044,11 +1193,12 @@
           </a:prstGeom>
         </p:spPr>
         <p:txBody>
-          <a:bodyPr lIns="0" rIns="0" tIns="0" bIns="0" anchor="ctr"/>
-          <a:p>
-            <a:endParaRPr b="0" lang="en-US" sz="1800" spc="-1" strike="noStrike">
-              <a:solidFill>
-                <a:srgbClr val="2e2b21"/>
+          <a:bodyPr lIns="0" tIns="0" rIns="0" bIns="0" anchor="ctr"/>
+          <a:lstStyle/>
+          <a:p>
+            <a:endParaRPr lang="en-US" sz="1800" b="0" strike="noStrike" spc="-1">
+              <a:solidFill>
+                <a:srgbClr val="2E2B21"/>
               </a:solidFill>
               <a:latin typeface="Tw Cen MT"/>
             </a:endParaRPr>
@@ -1075,13 +1225,14 @@
           </a:prstGeom>
         </p:spPr>
         <p:txBody>
-          <a:bodyPr lIns="0" rIns="0" tIns="0" bIns="0">
+          <a:bodyPr lIns="0" tIns="0" rIns="0" bIns="0">
             <a:normAutofit/>
           </a:bodyPr>
-          <a:p>
-            <a:endParaRPr b="0" lang="en-US" sz="2200" spc="-1" strike="noStrike">
-              <a:solidFill>
-                <a:srgbClr val="2e2b21"/>
+          <a:lstStyle/>
+          <a:p>
+            <a:endParaRPr lang="en-US" sz="2200" b="0" strike="noStrike" spc="-1">
+              <a:solidFill>
+                <a:srgbClr val="2E2B21"/>
               </a:solidFill>
               <a:latin typeface="Tw Cen MT"/>
             </a:endParaRPr>
@@ -1108,13 +1259,14 @@
           </a:prstGeom>
         </p:spPr>
         <p:txBody>
-          <a:bodyPr lIns="0" rIns="0" tIns="0" bIns="0">
+          <a:bodyPr lIns="0" tIns="0" rIns="0" bIns="0">
             <a:normAutofit/>
           </a:bodyPr>
-          <a:p>
-            <a:endParaRPr b="0" lang="en-US" sz="2200" spc="-1" strike="noStrike">
-              <a:solidFill>
-                <a:srgbClr val="2e2b21"/>
+          <a:lstStyle/>
+          <a:p>
+            <a:endParaRPr lang="en-US" sz="2200" b="0" strike="noStrike" spc="-1">
+              <a:solidFill>
+                <a:srgbClr val="2E2B21"/>
               </a:solidFill>
               <a:latin typeface="Tw Cen MT"/>
             </a:endParaRPr>
@@ -1141,13 +1293,14 @@
           </a:prstGeom>
         </p:spPr>
         <p:txBody>
-          <a:bodyPr lIns="0" rIns="0" tIns="0" bIns="0">
+          <a:bodyPr lIns="0" tIns="0" rIns="0" bIns="0">
             <a:normAutofit/>
           </a:bodyPr>
-          <a:p>
-            <a:endParaRPr b="0" lang="en-US" sz="2200" spc="-1" strike="noStrike">
-              <a:solidFill>
-                <a:srgbClr val="2e2b21"/>
+          <a:lstStyle/>
+          <a:p>
+            <a:endParaRPr lang="en-US" sz="2200" b="0" strike="noStrike" spc="-1">
+              <a:solidFill>
+                <a:srgbClr val="2E2B21"/>
               </a:solidFill>
               <a:latin typeface="Tw Cen MT"/>
             </a:endParaRPr>
@@ -1156,11 +1309,14 @@
       </p:sp>
     </p:spTree>
   </p:cSld>
+  <p:clrMapOvr>
+    <a:masterClrMapping/>
+  </p:clrMapOvr>
 </p:sldLayout>
 </file>
 
 <file path=ppt/slideLayouts/slideLayout2.xml><?xml version="1.0" encoding="utf-8"?>
-<p:sldLayout xmlns:a="http://schemas.openxmlformats.org/drawingml/2006/main" xmlns:p="http://schemas.openxmlformats.org/presentationml/2006/main" xmlns:r="http://schemas.openxmlformats.org/officeDocument/2006/relationships" xmlns:p14="http://schemas.microsoft.com/office/powerpoint/2010/main" xmlns:p15="http://schemas.microsoft.com/office/powerpoint/2012/main" xmlns:mc="http://schemas.openxmlformats.org/markup-compatibility/2006" type="tx" preserve="1">
+<p:sldLayout xmlns:a="http://schemas.openxmlformats.org/drawingml/2006/main" xmlns:r="http://schemas.openxmlformats.org/officeDocument/2006/relationships" xmlns:p="http://schemas.openxmlformats.org/presentationml/2006/main" type="tx" preserve="1">
   <p:cSld name="Title Slide">
     <p:spTree>
       <p:nvGrpSpPr>
@@ -1196,11 +1352,12 @@
           </a:prstGeom>
         </p:spPr>
         <p:txBody>
-          <a:bodyPr lIns="0" rIns="0" tIns="0" bIns="0" anchor="ctr"/>
-          <a:p>
-            <a:endParaRPr b="0" lang="en-US" sz="1800" spc="-1" strike="noStrike">
-              <a:solidFill>
-                <a:srgbClr val="2e2b21"/>
+          <a:bodyPr lIns="0" tIns="0" rIns="0" bIns="0" anchor="ctr"/>
+          <a:lstStyle/>
+          <a:p>
+            <a:endParaRPr lang="en-US" sz="1800" b="0" strike="noStrike" spc="-1">
+              <a:solidFill>
+                <a:srgbClr val="2E2B21"/>
               </a:solidFill>
               <a:latin typeface="Tw Cen MT"/>
             </a:endParaRPr>
@@ -1227,10 +1384,11 @@
           </a:prstGeom>
         </p:spPr>
         <p:txBody>
-          <a:bodyPr lIns="0" rIns="0" tIns="0" bIns="0" anchor="ctr"/>
+          <a:bodyPr lIns="0" tIns="0" rIns="0" bIns="0" anchor="ctr"/>
+          <a:lstStyle/>
           <a:p>
             <a:pPr algn="ctr"/>
-            <a:endParaRPr b="0" lang="en-US" sz="3200" spc="-1" strike="noStrike">
+            <a:endParaRPr lang="en-US" sz="3200" b="0" strike="noStrike" spc="-1">
               <a:latin typeface="Arial"/>
             </a:endParaRPr>
           </a:p>
@@ -1238,11 +1396,14 @@
       </p:sp>
     </p:spTree>
   </p:cSld>
+  <p:clrMapOvr>
+    <a:masterClrMapping/>
+  </p:clrMapOvr>
 </p:sldLayout>
 </file>
 
 <file path=ppt/slideLayouts/slideLayout20.xml><?xml version="1.0" encoding="utf-8"?>
-<p:sldLayout xmlns:a="http://schemas.openxmlformats.org/drawingml/2006/main" xmlns:p="http://schemas.openxmlformats.org/presentationml/2006/main" xmlns:r="http://schemas.openxmlformats.org/officeDocument/2006/relationships" xmlns:p14="http://schemas.microsoft.com/office/powerpoint/2010/main" xmlns:p15="http://schemas.microsoft.com/office/powerpoint/2012/main" xmlns:mc="http://schemas.openxmlformats.org/markup-compatibility/2006" type="objAndTwoObj" preserve="1">
+<p:sldLayout xmlns:a="http://schemas.openxmlformats.org/drawingml/2006/main" xmlns:r="http://schemas.openxmlformats.org/officeDocument/2006/relationships" xmlns:p="http://schemas.openxmlformats.org/presentationml/2006/main" type="objAndTwoObj" preserve="1">
   <p:cSld name="Title Content and 2 Content">
     <p:spTree>
       <p:nvGrpSpPr>
@@ -1278,11 +1439,12 @@
           </a:prstGeom>
         </p:spPr>
         <p:txBody>
-          <a:bodyPr lIns="0" rIns="0" tIns="0" bIns="0" anchor="ctr"/>
-          <a:p>
-            <a:endParaRPr b="0" lang="en-US" sz="1800" spc="-1" strike="noStrike">
-              <a:solidFill>
-                <a:srgbClr val="2e2b21"/>
+          <a:bodyPr lIns="0" tIns="0" rIns="0" bIns="0" anchor="ctr"/>
+          <a:lstStyle/>
+          <a:p>
+            <a:endParaRPr lang="en-US" sz="1800" b="0" strike="noStrike" spc="-1">
+              <a:solidFill>
+                <a:srgbClr val="2E2B21"/>
               </a:solidFill>
               <a:latin typeface="Tw Cen MT"/>
             </a:endParaRPr>
@@ -1309,13 +1471,14 @@
           </a:prstGeom>
         </p:spPr>
         <p:txBody>
-          <a:bodyPr lIns="0" rIns="0" tIns="0" bIns="0">
+          <a:bodyPr lIns="0" tIns="0" rIns="0" bIns="0">
             <a:normAutofit/>
           </a:bodyPr>
-          <a:p>
-            <a:endParaRPr b="0" lang="en-US" sz="2200" spc="-1" strike="noStrike">
-              <a:solidFill>
-                <a:srgbClr val="2e2b21"/>
+          <a:lstStyle/>
+          <a:p>
+            <a:endParaRPr lang="en-US" sz="2200" b="0" strike="noStrike" spc="-1">
+              <a:solidFill>
+                <a:srgbClr val="2E2B21"/>
               </a:solidFill>
               <a:latin typeface="Tw Cen MT"/>
             </a:endParaRPr>
@@ -1342,13 +1505,14 @@
           </a:prstGeom>
         </p:spPr>
         <p:txBody>
-          <a:bodyPr lIns="0" rIns="0" tIns="0" bIns="0">
+          <a:bodyPr lIns="0" tIns="0" rIns="0" bIns="0">
             <a:normAutofit/>
           </a:bodyPr>
-          <a:p>
-            <a:endParaRPr b="0" lang="en-US" sz="2200" spc="-1" strike="noStrike">
-              <a:solidFill>
-                <a:srgbClr val="2e2b21"/>
+          <a:lstStyle/>
+          <a:p>
+            <a:endParaRPr lang="en-US" sz="2200" b="0" strike="noStrike" spc="-1">
+              <a:solidFill>
+                <a:srgbClr val="2E2B21"/>
               </a:solidFill>
               <a:latin typeface="Tw Cen MT"/>
             </a:endParaRPr>
@@ -1375,13 +1539,14 @@
           </a:prstGeom>
         </p:spPr>
         <p:txBody>
-          <a:bodyPr lIns="0" rIns="0" tIns="0" bIns="0">
+          <a:bodyPr lIns="0" tIns="0" rIns="0" bIns="0">
             <a:normAutofit/>
           </a:bodyPr>
-          <a:p>
-            <a:endParaRPr b="0" lang="en-US" sz="2200" spc="-1" strike="noStrike">
-              <a:solidFill>
-                <a:srgbClr val="2e2b21"/>
+          <a:lstStyle/>
+          <a:p>
+            <a:endParaRPr lang="en-US" sz="2200" b="0" strike="noStrike" spc="-1">
+              <a:solidFill>
+                <a:srgbClr val="2E2B21"/>
               </a:solidFill>
               <a:latin typeface="Tw Cen MT"/>
             </a:endParaRPr>
@@ -1390,11 +1555,14 @@
       </p:sp>
     </p:spTree>
   </p:cSld>
+  <p:clrMapOvr>
+    <a:masterClrMapping/>
+  </p:clrMapOvr>
 </p:sldLayout>
 </file>
 
 <file path=ppt/slideLayouts/slideLayout21.xml><?xml version="1.0" encoding="utf-8"?>
-<p:sldLayout xmlns:a="http://schemas.openxmlformats.org/drawingml/2006/main" xmlns:p="http://schemas.openxmlformats.org/presentationml/2006/main" xmlns:r="http://schemas.openxmlformats.org/officeDocument/2006/relationships" xmlns:p14="http://schemas.microsoft.com/office/powerpoint/2010/main" xmlns:p15="http://schemas.microsoft.com/office/powerpoint/2012/main" xmlns:mc="http://schemas.openxmlformats.org/markup-compatibility/2006" type="twoObjOverTx" preserve="1">
+<p:sldLayout xmlns:a="http://schemas.openxmlformats.org/drawingml/2006/main" xmlns:r="http://schemas.openxmlformats.org/officeDocument/2006/relationships" xmlns:p="http://schemas.openxmlformats.org/presentationml/2006/main" type="twoObjOverTx" preserve="1">
   <p:cSld name="Title, 2 Content over Content">
     <p:spTree>
       <p:nvGrpSpPr>
@@ -1430,11 +1598,12 @@
           </a:prstGeom>
         </p:spPr>
         <p:txBody>
-          <a:bodyPr lIns="0" rIns="0" tIns="0" bIns="0" anchor="ctr"/>
-          <a:p>
-            <a:endParaRPr b="0" lang="en-US" sz="1800" spc="-1" strike="noStrike">
-              <a:solidFill>
-                <a:srgbClr val="2e2b21"/>
+          <a:bodyPr lIns="0" tIns="0" rIns="0" bIns="0" anchor="ctr"/>
+          <a:lstStyle/>
+          <a:p>
+            <a:endParaRPr lang="en-US" sz="1800" b="0" strike="noStrike" spc="-1">
+              <a:solidFill>
+                <a:srgbClr val="2E2B21"/>
               </a:solidFill>
               <a:latin typeface="Tw Cen MT"/>
             </a:endParaRPr>
@@ -1461,13 +1630,14 @@
           </a:prstGeom>
         </p:spPr>
         <p:txBody>
-          <a:bodyPr lIns="0" rIns="0" tIns="0" bIns="0">
+          <a:bodyPr lIns="0" tIns="0" rIns="0" bIns="0">
             <a:normAutofit/>
           </a:bodyPr>
-          <a:p>
-            <a:endParaRPr b="0" lang="en-US" sz="2200" spc="-1" strike="noStrike">
-              <a:solidFill>
-                <a:srgbClr val="2e2b21"/>
+          <a:lstStyle/>
+          <a:p>
+            <a:endParaRPr lang="en-US" sz="2200" b="0" strike="noStrike" spc="-1">
+              <a:solidFill>
+                <a:srgbClr val="2E2B21"/>
               </a:solidFill>
               <a:latin typeface="Tw Cen MT"/>
             </a:endParaRPr>
@@ -1494,13 +1664,14 @@
           </a:prstGeom>
         </p:spPr>
         <p:txBody>
-          <a:bodyPr lIns="0" rIns="0" tIns="0" bIns="0">
+          <a:bodyPr lIns="0" tIns="0" rIns="0" bIns="0">
             <a:normAutofit/>
           </a:bodyPr>
-          <a:p>
-            <a:endParaRPr b="0" lang="en-US" sz="2200" spc="-1" strike="noStrike">
-              <a:solidFill>
-                <a:srgbClr val="2e2b21"/>
+          <a:lstStyle/>
+          <a:p>
+            <a:endParaRPr lang="en-US" sz="2200" b="0" strike="noStrike" spc="-1">
+              <a:solidFill>
+                <a:srgbClr val="2E2B21"/>
               </a:solidFill>
               <a:latin typeface="Tw Cen MT"/>
             </a:endParaRPr>
@@ -1527,13 +1698,14 @@
           </a:prstGeom>
         </p:spPr>
         <p:txBody>
-          <a:bodyPr lIns="0" rIns="0" tIns="0" bIns="0">
+          <a:bodyPr lIns="0" tIns="0" rIns="0" bIns="0">
             <a:normAutofit/>
           </a:bodyPr>
-          <a:p>
-            <a:endParaRPr b="0" lang="en-US" sz="2200" spc="-1" strike="noStrike">
-              <a:solidFill>
-                <a:srgbClr val="2e2b21"/>
+          <a:lstStyle/>
+          <a:p>
+            <a:endParaRPr lang="en-US" sz="2200" b="0" strike="noStrike" spc="-1">
+              <a:solidFill>
+                <a:srgbClr val="2E2B21"/>
               </a:solidFill>
               <a:latin typeface="Tw Cen MT"/>
             </a:endParaRPr>
@@ -1542,11 +1714,14 @@
       </p:sp>
     </p:spTree>
   </p:cSld>
+  <p:clrMapOvr>
+    <a:masterClrMapping/>
+  </p:clrMapOvr>
 </p:sldLayout>
 </file>
 
 <file path=ppt/slideLayouts/slideLayout22.xml><?xml version="1.0" encoding="utf-8"?>
-<p:sldLayout xmlns:a="http://schemas.openxmlformats.org/drawingml/2006/main" xmlns:p="http://schemas.openxmlformats.org/presentationml/2006/main" xmlns:r="http://schemas.openxmlformats.org/officeDocument/2006/relationships" xmlns:p14="http://schemas.microsoft.com/office/powerpoint/2010/main" xmlns:p15="http://schemas.microsoft.com/office/powerpoint/2012/main" xmlns:mc="http://schemas.openxmlformats.org/markup-compatibility/2006" type="objOverTx" preserve="1">
+<p:sldLayout xmlns:a="http://schemas.openxmlformats.org/drawingml/2006/main" xmlns:r="http://schemas.openxmlformats.org/officeDocument/2006/relationships" xmlns:p="http://schemas.openxmlformats.org/presentationml/2006/main" type="objOverTx" preserve="1">
   <p:cSld name="Title, Content over Content">
     <p:spTree>
       <p:nvGrpSpPr>
@@ -1582,11 +1757,12 @@
           </a:prstGeom>
         </p:spPr>
         <p:txBody>
-          <a:bodyPr lIns="0" rIns="0" tIns="0" bIns="0" anchor="ctr"/>
-          <a:p>
-            <a:endParaRPr b="0" lang="en-US" sz="1800" spc="-1" strike="noStrike">
-              <a:solidFill>
-                <a:srgbClr val="2e2b21"/>
+          <a:bodyPr lIns="0" tIns="0" rIns="0" bIns="0" anchor="ctr"/>
+          <a:lstStyle/>
+          <a:p>
+            <a:endParaRPr lang="en-US" sz="1800" b="0" strike="noStrike" spc="-1">
+              <a:solidFill>
+                <a:srgbClr val="2E2B21"/>
               </a:solidFill>
               <a:latin typeface="Tw Cen MT"/>
             </a:endParaRPr>
@@ -1613,13 +1789,14 @@
           </a:prstGeom>
         </p:spPr>
         <p:txBody>
-          <a:bodyPr lIns="0" rIns="0" tIns="0" bIns="0">
+          <a:bodyPr lIns="0" tIns="0" rIns="0" bIns="0">
             <a:normAutofit/>
           </a:bodyPr>
-          <a:p>
-            <a:endParaRPr b="0" lang="en-US" sz="2200" spc="-1" strike="noStrike">
-              <a:solidFill>
-                <a:srgbClr val="2e2b21"/>
+          <a:lstStyle/>
+          <a:p>
+            <a:endParaRPr lang="en-US" sz="2200" b="0" strike="noStrike" spc="-1">
+              <a:solidFill>
+                <a:srgbClr val="2E2B21"/>
               </a:solidFill>
               <a:latin typeface="Tw Cen MT"/>
             </a:endParaRPr>
@@ -1646,13 +1823,14 @@
           </a:prstGeom>
         </p:spPr>
         <p:txBody>
-          <a:bodyPr lIns="0" rIns="0" tIns="0" bIns="0">
+          <a:bodyPr lIns="0" tIns="0" rIns="0" bIns="0">
             <a:normAutofit/>
           </a:bodyPr>
-          <a:p>
-            <a:endParaRPr b="0" lang="en-US" sz="2200" spc="-1" strike="noStrike">
-              <a:solidFill>
-                <a:srgbClr val="2e2b21"/>
+          <a:lstStyle/>
+          <a:p>
+            <a:endParaRPr lang="en-US" sz="2200" b="0" strike="noStrike" spc="-1">
+              <a:solidFill>
+                <a:srgbClr val="2E2B21"/>
               </a:solidFill>
               <a:latin typeface="Tw Cen MT"/>
             </a:endParaRPr>
@@ -1661,11 +1839,14 @@
       </p:sp>
     </p:spTree>
   </p:cSld>
+  <p:clrMapOvr>
+    <a:masterClrMapping/>
+  </p:clrMapOvr>
 </p:sldLayout>
 </file>
 
 <file path=ppt/slideLayouts/slideLayout23.xml><?xml version="1.0" encoding="utf-8"?>
-<p:sldLayout xmlns:a="http://schemas.openxmlformats.org/drawingml/2006/main" xmlns:p="http://schemas.openxmlformats.org/presentationml/2006/main" xmlns:r="http://schemas.openxmlformats.org/officeDocument/2006/relationships" xmlns:p14="http://schemas.microsoft.com/office/powerpoint/2010/main" xmlns:p15="http://schemas.microsoft.com/office/powerpoint/2012/main" xmlns:mc="http://schemas.openxmlformats.org/markup-compatibility/2006" type="fourObj" preserve="1">
+<p:sldLayout xmlns:a="http://schemas.openxmlformats.org/drawingml/2006/main" xmlns:r="http://schemas.openxmlformats.org/officeDocument/2006/relationships" xmlns:p="http://schemas.openxmlformats.org/presentationml/2006/main" type="fourObj" preserve="1">
   <p:cSld name="Title, 4 Content">
     <p:spTree>
       <p:nvGrpSpPr>
@@ -1701,11 +1882,12 @@
           </a:prstGeom>
         </p:spPr>
         <p:txBody>
-          <a:bodyPr lIns="0" rIns="0" tIns="0" bIns="0" anchor="ctr"/>
-          <a:p>
-            <a:endParaRPr b="0" lang="en-US" sz="1800" spc="-1" strike="noStrike">
-              <a:solidFill>
-                <a:srgbClr val="2e2b21"/>
+          <a:bodyPr lIns="0" tIns="0" rIns="0" bIns="0" anchor="ctr"/>
+          <a:lstStyle/>
+          <a:p>
+            <a:endParaRPr lang="en-US" sz="1800" b="0" strike="noStrike" spc="-1">
+              <a:solidFill>
+                <a:srgbClr val="2E2B21"/>
               </a:solidFill>
               <a:latin typeface="Tw Cen MT"/>
             </a:endParaRPr>
@@ -1732,13 +1914,14 @@
           </a:prstGeom>
         </p:spPr>
         <p:txBody>
-          <a:bodyPr lIns="0" rIns="0" tIns="0" bIns="0">
+          <a:bodyPr lIns="0" tIns="0" rIns="0" bIns="0">
             <a:normAutofit/>
           </a:bodyPr>
-          <a:p>
-            <a:endParaRPr b="0" lang="en-US" sz="2200" spc="-1" strike="noStrike">
-              <a:solidFill>
-                <a:srgbClr val="2e2b21"/>
+          <a:lstStyle/>
+          <a:p>
+            <a:endParaRPr lang="en-US" sz="2200" b="0" strike="noStrike" spc="-1">
+              <a:solidFill>
+                <a:srgbClr val="2E2B21"/>
               </a:solidFill>
               <a:latin typeface="Tw Cen MT"/>
             </a:endParaRPr>
@@ -1765,13 +1948,14 @@
           </a:prstGeom>
         </p:spPr>
         <p:txBody>
-          <a:bodyPr lIns="0" rIns="0" tIns="0" bIns="0">
+          <a:bodyPr lIns="0" tIns="0" rIns="0" bIns="0">
             <a:normAutofit/>
           </a:bodyPr>
-          <a:p>
-            <a:endParaRPr b="0" lang="en-US" sz="2200" spc="-1" strike="noStrike">
-              <a:solidFill>
-                <a:srgbClr val="2e2b21"/>
+          <a:lstStyle/>
+          <a:p>
+            <a:endParaRPr lang="en-US" sz="2200" b="0" strike="noStrike" spc="-1">
+              <a:solidFill>
+                <a:srgbClr val="2E2B21"/>
               </a:solidFill>
               <a:latin typeface="Tw Cen MT"/>
             </a:endParaRPr>
@@ -1798,13 +1982,14 @@
           </a:prstGeom>
         </p:spPr>
         <p:txBody>
-          <a:bodyPr lIns="0" rIns="0" tIns="0" bIns="0">
+          <a:bodyPr lIns="0" tIns="0" rIns="0" bIns="0">
             <a:normAutofit/>
           </a:bodyPr>
-          <a:p>
-            <a:endParaRPr b="0" lang="en-US" sz="2200" spc="-1" strike="noStrike">
-              <a:solidFill>
-                <a:srgbClr val="2e2b21"/>
+          <a:lstStyle/>
+          <a:p>
+            <a:endParaRPr lang="en-US" sz="2200" b="0" strike="noStrike" spc="-1">
+              <a:solidFill>
+                <a:srgbClr val="2E2B21"/>
               </a:solidFill>
               <a:latin typeface="Tw Cen MT"/>
             </a:endParaRPr>
@@ -1831,13 +2016,14 @@
           </a:prstGeom>
         </p:spPr>
         <p:txBody>
-          <a:bodyPr lIns="0" rIns="0" tIns="0" bIns="0">
+          <a:bodyPr lIns="0" tIns="0" rIns="0" bIns="0">
             <a:normAutofit/>
           </a:bodyPr>
-          <a:p>
-            <a:endParaRPr b="0" lang="en-US" sz="2200" spc="-1" strike="noStrike">
-              <a:solidFill>
-                <a:srgbClr val="2e2b21"/>
+          <a:lstStyle/>
+          <a:p>
+            <a:endParaRPr lang="en-US" sz="2200" b="0" strike="noStrike" spc="-1">
+              <a:solidFill>
+                <a:srgbClr val="2E2B21"/>
               </a:solidFill>
               <a:latin typeface="Tw Cen MT"/>
             </a:endParaRPr>
@@ -1846,11 +2032,14 @@
       </p:sp>
     </p:spTree>
   </p:cSld>
+  <p:clrMapOvr>
+    <a:masterClrMapping/>
+  </p:clrMapOvr>
 </p:sldLayout>
 </file>
 
 <file path=ppt/slideLayouts/slideLayout24.xml><?xml version="1.0" encoding="utf-8"?>
-<p:sldLayout xmlns:a="http://schemas.openxmlformats.org/drawingml/2006/main" xmlns:p="http://schemas.openxmlformats.org/presentationml/2006/main" xmlns:r="http://schemas.openxmlformats.org/officeDocument/2006/relationships" xmlns:p14="http://schemas.microsoft.com/office/powerpoint/2010/main" xmlns:p15="http://schemas.microsoft.com/office/powerpoint/2012/main" xmlns:mc="http://schemas.openxmlformats.org/markup-compatibility/2006" type="blank" preserve="1">
+<p:sldLayout xmlns:a="http://schemas.openxmlformats.org/drawingml/2006/main" xmlns:r="http://schemas.openxmlformats.org/officeDocument/2006/relationships" xmlns:p="http://schemas.openxmlformats.org/presentationml/2006/main" type="blank" preserve="1">
   <p:cSld name="Title, 6 Content">
     <p:spTree>
       <p:nvGrpSpPr>
@@ -1886,11 +2075,12 @@
           </a:prstGeom>
         </p:spPr>
         <p:txBody>
-          <a:bodyPr lIns="0" rIns="0" tIns="0" bIns="0" anchor="ctr"/>
-          <a:p>
-            <a:endParaRPr b="0" lang="en-US" sz="1800" spc="-1" strike="noStrike">
-              <a:solidFill>
-                <a:srgbClr val="2e2b21"/>
+          <a:bodyPr lIns="0" tIns="0" rIns="0" bIns="0" anchor="ctr"/>
+          <a:lstStyle/>
+          <a:p>
+            <a:endParaRPr lang="en-US" sz="1800" b="0" strike="noStrike" spc="-1">
+              <a:solidFill>
+                <a:srgbClr val="2E2B21"/>
               </a:solidFill>
               <a:latin typeface="Tw Cen MT"/>
             </a:endParaRPr>
@@ -1917,13 +2107,14 @@
           </a:prstGeom>
         </p:spPr>
         <p:txBody>
-          <a:bodyPr lIns="0" rIns="0" tIns="0" bIns="0">
+          <a:bodyPr lIns="0" tIns="0" rIns="0" bIns="0">
             <a:normAutofit/>
           </a:bodyPr>
-          <a:p>
-            <a:endParaRPr b="0" lang="en-US" sz="2200" spc="-1" strike="noStrike">
-              <a:solidFill>
-                <a:srgbClr val="2e2b21"/>
+          <a:lstStyle/>
+          <a:p>
+            <a:endParaRPr lang="en-US" sz="2200" b="0" strike="noStrike" spc="-1">
+              <a:solidFill>
+                <a:srgbClr val="2E2B21"/>
               </a:solidFill>
               <a:latin typeface="Tw Cen MT"/>
             </a:endParaRPr>
@@ -1950,13 +2141,14 @@
           </a:prstGeom>
         </p:spPr>
         <p:txBody>
-          <a:bodyPr lIns="0" rIns="0" tIns="0" bIns="0">
+          <a:bodyPr lIns="0" tIns="0" rIns="0" bIns="0">
             <a:normAutofit/>
           </a:bodyPr>
-          <a:p>
-            <a:endParaRPr b="0" lang="en-US" sz="2200" spc="-1" strike="noStrike">
-              <a:solidFill>
-                <a:srgbClr val="2e2b21"/>
+          <a:lstStyle/>
+          <a:p>
+            <a:endParaRPr lang="en-US" sz="2200" b="0" strike="noStrike" spc="-1">
+              <a:solidFill>
+                <a:srgbClr val="2E2B21"/>
               </a:solidFill>
               <a:latin typeface="Tw Cen MT"/>
             </a:endParaRPr>
@@ -1983,13 +2175,14 @@
           </a:prstGeom>
         </p:spPr>
         <p:txBody>
-          <a:bodyPr lIns="0" rIns="0" tIns="0" bIns="0">
+          <a:bodyPr lIns="0" tIns="0" rIns="0" bIns="0">
             <a:normAutofit/>
           </a:bodyPr>
-          <a:p>
-            <a:endParaRPr b="0" lang="en-US" sz="2200" spc="-1" strike="noStrike">
-              <a:solidFill>
-                <a:srgbClr val="2e2b21"/>
+          <a:lstStyle/>
+          <a:p>
+            <a:endParaRPr lang="en-US" sz="2200" b="0" strike="noStrike" spc="-1">
+              <a:solidFill>
+                <a:srgbClr val="2E2B21"/>
               </a:solidFill>
               <a:latin typeface="Tw Cen MT"/>
             </a:endParaRPr>
@@ -2016,13 +2209,14 @@
           </a:prstGeom>
         </p:spPr>
         <p:txBody>
-          <a:bodyPr lIns="0" rIns="0" tIns="0" bIns="0">
+          <a:bodyPr lIns="0" tIns="0" rIns="0" bIns="0">
             <a:normAutofit/>
           </a:bodyPr>
-          <a:p>
-            <a:endParaRPr b="0" lang="en-US" sz="2200" spc="-1" strike="noStrike">
-              <a:solidFill>
-                <a:srgbClr val="2e2b21"/>
+          <a:lstStyle/>
+          <a:p>
+            <a:endParaRPr lang="en-US" sz="2200" b="0" strike="noStrike" spc="-1">
+              <a:solidFill>
+                <a:srgbClr val="2E2B21"/>
               </a:solidFill>
               <a:latin typeface="Tw Cen MT"/>
             </a:endParaRPr>
@@ -2049,13 +2243,14 @@
           </a:prstGeom>
         </p:spPr>
         <p:txBody>
-          <a:bodyPr lIns="0" rIns="0" tIns="0" bIns="0">
+          <a:bodyPr lIns="0" tIns="0" rIns="0" bIns="0">
             <a:normAutofit/>
           </a:bodyPr>
-          <a:p>
-            <a:endParaRPr b="0" lang="en-US" sz="2200" spc="-1" strike="noStrike">
-              <a:solidFill>
-                <a:srgbClr val="2e2b21"/>
+          <a:lstStyle/>
+          <a:p>
+            <a:endParaRPr lang="en-US" sz="2200" b="0" strike="noStrike" spc="-1">
+              <a:solidFill>
+                <a:srgbClr val="2E2B21"/>
               </a:solidFill>
               <a:latin typeface="Tw Cen MT"/>
             </a:endParaRPr>
@@ -2082,13 +2277,14 @@
           </a:prstGeom>
         </p:spPr>
         <p:txBody>
-          <a:bodyPr lIns="0" rIns="0" tIns="0" bIns="0">
+          <a:bodyPr lIns="0" tIns="0" rIns="0" bIns="0">
             <a:normAutofit/>
           </a:bodyPr>
-          <a:p>
-            <a:endParaRPr b="0" lang="en-US" sz="2200" spc="-1" strike="noStrike">
-              <a:solidFill>
-                <a:srgbClr val="2e2b21"/>
+          <a:lstStyle/>
+          <a:p>
+            <a:endParaRPr lang="en-US" sz="2200" b="0" strike="noStrike" spc="-1">
+              <a:solidFill>
+                <a:srgbClr val="2E2B21"/>
               </a:solidFill>
               <a:latin typeface="Tw Cen MT"/>
             </a:endParaRPr>
@@ -2097,11 +2293,14 @@
       </p:sp>
     </p:spTree>
   </p:cSld>
+  <p:clrMapOvr>
+    <a:masterClrMapping/>
+  </p:clrMapOvr>
 </p:sldLayout>
 </file>
 
 <file path=ppt/slideLayouts/slideLayout3.xml><?xml version="1.0" encoding="utf-8"?>
-<p:sldLayout xmlns:a="http://schemas.openxmlformats.org/drawingml/2006/main" xmlns:p="http://schemas.openxmlformats.org/presentationml/2006/main" xmlns:r="http://schemas.openxmlformats.org/officeDocument/2006/relationships" xmlns:p14="http://schemas.microsoft.com/office/powerpoint/2010/main" xmlns:p15="http://schemas.microsoft.com/office/powerpoint/2012/main" xmlns:mc="http://schemas.openxmlformats.org/markup-compatibility/2006" type="obj" preserve="1">
+<p:sldLayout xmlns:a="http://schemas.openxmlformats.org/drawingml/2006/main" xmlns:r="http://schemas.openxmlformats.org/officeDocument/2006/relationships" xmlns:p="http://schemas.openxmlformats.org/presentationml/2006/main" type="obj" preserve="1">
   <p:cSld name="Title, Content">
     <p:spTree>
       <p:nvGrpSpPr>
@@ -2137,11 +2336,12 @@
           </a:prstGeom>
         </p:spPr>
         <p:txBody>
-          <a:bodyPr lIns="0" rIns="0" tIns="0" bIns="0" anchor="ctr"/>
-          <a:p>
-            <a:endParaRPr b="0" lang="en-US" sz="1800" spc="-1" strike="noStrike">
-              <a:solidFill>
-                <a:srgbClr val="2e2b21"/>
+          <a:bodyPr lIns="0" tIns="0" rIns="0" bIns="0" anchor="ctr"/>
+          <a:lstStyle/>
+          <a:p>
+            <a:endParaRPr lang="en-US" sz="1800" b="0" strike="noStrike" spc="-1">
+              <a:solidFill>
+                <a:srgbClr val="2E2B21"/>
               </a:solidFill>
               <a:latin typeface="Tw Cen MT"/>
             </a:endParaRPr>
@@ -2168,13 +2368,14 @@
           </a:prstGeom>
         </p:spPr>
         <p:txBody>
-          <a:bodyPr lIns="0" rIns="0" tIns="0" bIns="0">
+          <a:bodyPr lIns="0" tIns="0" rIns="0" bIns="0">
             <a:normAutofit/>
           </a:bodyPr>
-          <a:p>
-            <a:endParaRPr b="0" lang="en-US" sz="2200" spc="-1" strike="noStrike">
-              <a:solidFill>
-                <a:srgbClr val="2e2b21"/>
+          <a:lstStyle/>
+          <a:p>
+            <a:endParaRPr lang="en-US" sz="2200" b="0" strike="noStrike" spc="-1">
+              <a:solidFill>
+                <a:srgbClr val="2E2B21"/>
               </a:solidFill>
               <a:latin typeface="Tw Cen MT"/>
             </a:endParaRPr>
@@ -2183,11 +2384,14 @@
       </p:sp>
     </p:spTree>
   </p:cSld>
+  <p:clrMapOvr>
+    <a:masterClrMapping/>
+  </p:clrMapOvr>
 </p:sldLayout>
 </file>
 
 <file path=ppt/slideLayouts/slideLayout4.xml><?xml version="1.0" encoding="utf-8"?>
-<p:sldLayout xmlns:a="http://schemas.openxmlformats.org/drawingml/2006/main" xmlns:p="http://schemas.openxmlformats.org/presentationml/2006/main" xmlns:r="http://schemas.openxmlformats.org/officeDocument/2006/relationships" xmlns:p14="http://schemas.microsoft.com/office/powerpoint/2010/main" xmlns:p15="http://schemas.microsoft.com/office/powerpoint/2012/main" xmlns:mc="http://schemas.openxmlformats.org/markup-compatibility/2006" type="twoObj" preserve="1">
+<p:sldLayout xmlns:a="http://schemas.openxmlformats.org/drawingml/2006/main" xmlns:r="http://schemas.openxmlformats.org/officeDocument/2006/relationships" xmlns:p="http://schemas.openxmlformats.org/presentationml/2006/main" type="twoObj" preserve="1">
   <p:cSld name="Title, 2 Content">
     <p:spTree>
       <p:nvGrpSpPr>
@@ -2223,11 +2427,12 @@
           </a:prstGeom>
         </p:spPr>
         <p:txBody>
-          <a:bodyPr lIns="0" rIns="0" tIns="0" bIns="0" anchor="ctr"/>
-          <a:p>
-            <a:endParaRPr b="0" lang="en-US" sz="1800" spc="-1" strike="noStrike">
-              <a:solidFill>
-                <a:srgbClr val="2e2b21"/>
+          <a:bodyPr lIns="0" tIns="0" rIns="0" bIns="0" anchor="ctr"/>
+          <a:lstStyle/>
+          <a:p>
+            <a:endParaRPr lang="en-US" sz="1800" b="0" strike="noStrike" spc="-1">
+              <a:solidFill>
+                <a:srgbClr val="2E2B21"/>
               </a:solidFill>
               <a:latin typeface="Tw Cen MT"/>
             </a:endParaRPr>
@@ -2254,13 +2459,14 @@
           </a:prstGeom>
         </p:spPr>
         <p:txBody>
-          <a:bodyPr lIns="0" rIns="0" tIns="0" bIns="0">
+          <a:bodyPr lIns="0" tIns="0" rIns="0" bIns="0">
             <a:normAutofit/>
           </a:bodyPr>
-          <a:p>
-            <a:endParaRPr b="0" lang="en-US" sz="2200" spc="-1" strike="noStrike">
-              <a:solidFill>
-                <a:srgbClr val="2e2b21"/>
+          <a:lstStyle/>
+          <a:p>
+            <a:endParaRPr lang="en-US" sz="2200" b="0" strike="noStrike" spc="-1">
+              <a:solidFill>
+                <a:srgbClr val="2E2B21"/>
               </a:solidFill>
               <a:latin typeface="Tw Cen MT"/>
             </a:endParaRPr>
@@ -2287,13 +2493,14 @@
           </a:prstGeom>
         </p:spPr>
         <p:txBody>
-          <a:bodyPr lIns="0" rIns="0" tIns="0" bIns="0">
+          <a:bodyPr lIns="0" tIns="0" rIns="0" bIns="0">
             <a:normAutofit/>
           </a:bodyPr>
-          <a:p>
-            <a:endParaRPr b="0" lang="en-US" sz="2200" spc="-1" strike="noStrike">
-              <a:solidFill>
-                <a:srgbClr val="2e2b21"/>
+          <a:lstStyle/>
+          <a:p>
+            <a:endParaRPr lang="en-US" sz="2200" b="0" strike="noStrike" spc="-1">
+              <a:solidFill>
+                <a:srgbClr val="2E2B21"/>
               </a:solidFill>
               <a:latin typeface="Tw Cen MT"/>
             </a:endParaRPr>
@@ -2302,11 +2509,14 @@
       </p:sp>
     </p:spTree>
   </p:cSld>
+  <p:clrMapOvr>
+    <a:masterClrMapping/>
+  </p:clrMapOvr>
 </p:sldLayout>
 </file>
 
 <file path=ppt/slideLayouts/slideLayout5.xml><?xml version="1.0" encoding="utf-8"?>
-<p:sldLayout xmlns:a="http://schemas.openxmlformats.org/drawingml/2006/main" xmlns:p="http://schemas.openxmlformats.org/presentationml/2006/main" xmlns:r="http://schemas.openxmlformats.org/officeDocument/2006/relationships" xmlns:p14="http://schemas.microsoft.com/office/powerpoint/2010/main" xmlns:p15="http://schemas.microsoft.com/office/powerpoint/2012/main" xmlns:mc="http://schemas.openxmlformats.org/markup-compatibility/2006" type="titleOnly" preserve="1">
+<p:sldLayout xmlns:a="http://schemas.openxmlformats.org/drawingml/2006/main" xmlns:r="http://schemas.openxmlformats.org/officeDocument/2006/relationships" xmlns:p="http://schemas.openxmlformats.org/presentationml/2006/main" type="titleOnly" preserve="1">
   <p:cSld name="Title Only">
     <p:spTree>
       <p:nvGrpSpPr>
@@ -2342,11 +2552,12 @@
           </a:prstGeom>
         </p:spPr>
         <p:txBody>
-          <a:bodyPr lIns="0" rIns="0" tIns="0" bIns="0" anchor="ctr"/>
-          <a:p>
-            <a:endParaRPr b="0" lang="en-US" sz="1800" spc="-1" strike="noStrike">
-              <a:solidFill>
-                <a:srgbClr val="2e2b21"/>
+          <a:bodyPr lIns="0" tIns="0" rIns="0" bIns="0" anchor="ctr"/>
+          <a:lstStyle/>
+          <a:p>
+            <a:endParaRPr lang="en-US" sz="1800" b="0" strike="noStrike" spc="-1">
+              <a:solidFill>
+                <a:srgbClr val="2E2B21"/>
               </a:solidFill>
               <a:latin typeface="Tw Cen MT"/>
             </a:endParaRPr>
@@ -2355,11 +2566,14 @@
       </p:sp>
     </p:spTree>
   </p:cSld>
+  <p:clrMapOvr>
+    <a:masterClrMapping/>
+  </p:clrMapOvr>
 </p:sldLayout>
 </file>
 
 <file path=ppt/slideLayouts/slideLayout6.xml><?xml version="1.0" encoding="utf-8"?>
-<p:sldLayout xmlns:a="http://schemas.openxmlformats.org/drawingml/2006/main" xmlns:p="http://schemas.openxmlformats.org/presentationml/2006/main" xmlns:r="http://schemas.openxmlformats.org/officeDocument/2006/relationships" xmlns:p14="http://schemas.microsoft.com/office/powerpoint/2010/main" xmlns:p15="http://schemas.microsoft.com/office/powerpoint/2012/main" xmlns:mc="http://schemas.openxmlformats.org/markup-compatibility/2006" type="objOnly" preserve="1">
+<p:sldLayout xmlns:a="http://schemas.openxmlformats.org/drawingml/2006/main" xmlns:r="http://schemas.openxmlformats.org/officeDocument/2006/relationships" xmlns:p="http://schemas.openxmlformats.org/presentationml/2006/main" type="objOnly" preserve="1">
   <p:cSld name="Centered Text">
     <p:spTree>
       <p:nvGrpSpPr>
@@ -2395,10 +2609,11 @@
           </a:prstGeom>
         </p:spPr>
         <p:txBody>
-          <a:bodyPr lIns="0" rIns="0" tIns="0" bIns="0" anchor="ctr"/>
+          <a:bodyPr lIns="0" tIns="0" rIns="0" bIns="0" anchor="ctr"/>
+          <a:lstStyle/>
           <a:p>
             <a:pPr algn="ctr"/>
-            <a:endParaRPr b="0" lang="en-US" sz="3200" spc="-1" strike="noStrike">
+            <a:endParaRPr lang="en-US" sz="3200" b="0" strike="noStrike" spc="-1">
               <a:latin typeface="Arial"/>
             </a:endParaRPr>
           </a:p>
@@ -2406,11 +2621,14 @@
       </p:sp>
     </p:spTree>
   </p:cSld>
+  <p:clrMapOvr>
+    <a:masterClrMapping/>
+  </p:clrMapOvr>
 </p:sldLayout>
 </file>
 
 <file path=ppt/slideLayouts/slideLayout7.xml><?xml version="1.0" encoding="utf-8"?>
-<p:sldLayout xmlns:a="http://schemas.openxmlformats.org/drawingml/2006/main" xmlns:p="http://schemas.openxmlformats.org/presentationml/2006/main" xmlns:r="http://schemas.openxmlformats.org/officeDocument/2006/relationships" xmlns:p14="http://schemas.microsoft.com/office/powerpoint/2010/main" xmlns:p15="http://schemas.microsoft.com/office/powerpoint/2012/main" xmlns:mc="http://schemas.openxmlformats.org/markup-compatibility/2006" type="twoObjAndObj" preserve="1">
+<p:sldLayout xmlns:a="http://schemas.openxmlformats.org/drawingml/2006/main" xmlns:r="http://schemas.openxmlformats.org/officeDocument/2006/relationships" xmlns:p="http://schemas.openxmlformats.org/presentationml/2006/main" type="twoObjAndObj" preserve="1">
   <p:cSld name="Title, 2 Content and Content">
     <p:spTree>
       <p:nvGrpSpPr>
@@ -2446,11 +2664,12 @@
           </a:prstGeom>
         </p:spPr>
         <p:txBody>
-          <a:bodyPr lIns="0" rIns="0" tIns="0" bIns="0" anchor="ctr"/>
-          <a:p>
-            <a:endParaRPr b="0" lang="en-US" sz="1800" spc="-1" strike="noStrike">
-              <a:solidFill>
-                <a:srgbClr val="2e2b21"/>
+          <a:bodyPr lIns="0" tIns="0" rIns="0" bIns="0" anchor="ctr"/>
+          <a:lstStyle/>
+          <a:p>
+            <a:endParaRPr lang="en-US" sz="1800" b="0" strike="noStrike" spc="-1">
+              <a:solidFill>
+                <a:srgbClr val="2E2B21"/>
               </a:solidFill>
               <a:latin typeface="Tw Cen MT"/>
             </a:endParaRPr>
@@ -2477,13 +2696,14 @@
           </a:prstGeom>
         </p:spPr>
         <p:txBody>
-          <a:bodyPr lIns="0" rIns="0" tIns="0" bIns="0">
+          <a:bodyPr lIns="0" tIns="0" rIns="0" bIns="0">
             <a:normAutofit/>
           </a:bodyPr>
-          <a:p>
-            <a:endParaRPr b="0" lang="en-US" sz="2200" spc="-1" strike="noStrike">
-              <a:solidFill>
-                <a:srgbClr val="2e2b21"/>
+          <a:lstStyle/>
+          <a:p>
+            <a:endParaRPr lang="en-US" sz="2200" b="0" strike="noStrike" spc="-1">
+              <a:solidFill>
+                <a:srgbClr val="2E2B21"/>
               </a:solidFill>
               <a:latin typeface="Tw Cen MT"/>
             </a:endParaRPr>
@@ -2510,13 +2730,14 @@
           </a:prstGeom>
         </p:spPr>
         <p:txBody>
-          <a:bodyPr lIns="0" rIns="0" tIns="0" bIns="0">
+          <a:bodyPr lIns="0" tIns="0" rIns="0" bIns="0">
             <a:normAutofit/>
           </a:bodyPr>
-          <a:p>
-            <a:endParaRPr b="0" lang="en-US" sz="2200" spc="-1" strike="noStrike">
-              <a:solidFill>
-                <a:srgbClr val="2e2b21"/>
+          <a:lstStyle/>
+          <a:p>
+            <a:endParaRPr lang="en-US" sz="2200" b="0" strike="noStrike" spc="-1">
+              <a:solidFill>
+                <a:srgbClr val="2E2B21"/>
               </a:solidFill>
               <a:latin typeface="Tw Cen MT"/>
             </a:endParaRPr>
@@ -2543,13 +2764,14 @@
           </a:prstGeom>
         </p:spPr>
         <p:txBody>
-          <a:bodyPr lIns="0" rIns="0" tIns="0" bIns="0">
+          <a:bodyPr lIns="0" tIns="0" rIns="0" bIns="0">
             <a:normAutofit/>
           </a:bodyPr>
-          <a:p>
-            <a:endParaRPr b="0" lang="en-US" sz="2200" spc="-1" strike="noStrike">
-              <a:solidFill>
-                <a:srgbClr val="2e2b21"/>
+          <a:lstStyle/>
+          <a:p>
+            <a:endParaRPr lang="en-US" sz="2200" b="0" strike="noStrike" spc="-1">
+              <a:solidFill>
+                <a:srgbClr val="2E2B21"/>
               </a:solidFill>
               <a:latin typeface="Tw Cen MT"/>
             </a:endParaRPr>
@@ -2558,11 +2780,14 @@
       </p:sp>
     </p:spTree>
   </p:cSld>
+  <p:clrMapOvr>
+    <a:masterClrMapping/>
+  </p:clrMapOvr>
 </p:sldLayout>
 </file>
 
 <file path=ppt/slideLayouts/slideLayout8.xml><?xml version="1.0" encoding="utf-8"?>
-<p:sldLayout xmlns:a="http://schemas.openxmlformats.org/drawingml/2006/main" xmlns:p="http://schemas.openxmlformats.org/presentationml/2006/main" xmlns:r="http://schemas.openxmlformats.org/officeDocument/2006/relationships" xmlns:p14="http://schemas.microsoft.com/office/powerpoint/2010/main" xmlns:p15="http://schemas.microsoft.com/office/powerpoint/2012/main" xmlns:mc="http://schemas.openxmlformats.org/markup-compatibility/2006" type="objAndTwoObj" preserve="1">
+<p:sldLayout xmlns:a="http://schemas.openxmlformats.org/drawingml/2006/main" xmlns:r="http://schemas.openxmlformats.org/officeDocument/2006/relationships" xmlns:p="http://schemas.openxmlformats.org/presentationml/2006/main" type="objAndTwoObj" preserve="1">
   <p:cSld name="Title Content and 2 Content">
     <p:spTree>
       <p:nvGrpSpPr>
@@ -2598,11 +2823,12 @@
           </a:prstGeom>
         </p:spPr>
         <p:txBody>
-          <a:bodyPr lIns="0" rIns="0" tIns="0" bIns="0" anchor="ctr"/>
-          <a:p>
-            <a:endParaRPr b="0" lang="en-US" sz="1800" spc="-1" strike="noStrike">
-              <a:solidFill>
-                <a:srgbClr val="2e2b21"/>
+          <a:bodyPr lIns="0" tIns="0" rIns="0" bIns="0" anchor="ctr"/>
+          <a:lstStyle/>
+          <a:p>
+            <a:endParaRPr lang="en-US" sz="1800" b="0" strike="noStrike" spc="-1">
+              <a:solidFill>
+                <a:srgbClr val="2E2B21"/>
               </a:solidFill>
               <a:latin typeface="Tw Cen MT"/>
             </a:endParaRPr>
@@ -2629,13 +2855,14 @@
           </a:prstGeom>
         </p:spPr>
         <p:txBody>
-          <a:bodyPr lIns="0" rIns="0" tIns="0" bIns="0">
+          <a:bodyPr lIns="0" tIns="0" rIns="0" bIns="0">
             <a:normAutofit/>
           </a:bodyPr>
-          <a:p>
-            <a:endParaRPr b="0" lang="en-US" sz="2200" spc="-1" strike="noStrike">
-              <a:solidFill>
-                <a:srgbClr val="2e2b21"/>
+          <a:lstStyle/>
+          <a:p>
+            <a:endParaRPr lang="en-US" sz="2200" b="0" strike="noStrike" spc="-1">
+              <a:solidFill>
+                <a:srgbClr val="2E2B21"/>
               </a:solidFill>
               <a:latin typeface="Tw Cen MT"/>
             </a:endParaRPr>
@@ -2662,13 +2889,14 @@
           </a:prstGeom>
         </p:spPr>
         <p:txBody>
-          <a:bodyPr lIns="0" rIns="0" tIns="0" bIns="0">
+          <a:bodyPr lIns="0" tIns="0" rIns="0" bIns="0">
             <a:normAutofit/>
           </a:bodyPr>
-          <a:p>
-            <a:endParaRPr b="0" lang="en-US" sz="2200" spc="-1" strike="noStrike">
-              <a:solidFill>
-                <a:srgbClr val="2e2b21"/>
+          <a:lstStyle/>
+          <a:p>
+            <a:endParaRPr lang="en-US" sz="2200" b="0" strike="noStrike" spc="-1">
+              <a:solidFill>
+                <a:srgbClr val="2E2B21"/>
               </a:solidFill>
               <a:latin typeface="Tw Cen MT"/>
             </a:endParaRPr>
@@ -2695,13 +2923,14 @@
           </a:prstGeom>
         </p:spPr>
         <p:txBody>
-          <a:bodyPr lIns="0" rIns="0" tIns="0" bIns="0">
+          <a:bodyPr lIns="0" tIns="0" rIns="0" bIns="0">
             <a:normAutofit/>
           </a:bodyPr>
-          <a:p>
-            <a:endParaRPr b="0" lang="en-US" sz="2200" spc="-1" strike="noStrike">
-              <a:solidFill>
-                <a:srgbClr val="2e2b21"/>
+          <a:lstStyle/>
+          <a:p>
+            <a:endParaRPr lang="en-US" sz="2200" b="0" strike="noStrike" spc="-1">
+              <a:solidFill>
+                <a:srgbClr val="2E2B21"/>
               </a:solidFill>
               <a:latin typeface="Tw Cen MT"/>
             </a:endParaRPr>
@@ -2710,11 +2939,14 @@
       </p:sp>
     </p:spTree>
   </p:cSld>
+  <p:clrMapOvr>
+    <a:masterClrMapping/>
+  </p:clrMapOvr>
 </p:sldLayout>
 </file>
 
 <file path=ppt/slideLayouts/slideLayout9.xml><?xml version="1.0" encoding="utf-8"?>
-<p:sldLayout xmlns:a="http://schemas.openxmlformats.org/drawingml/2006/main" xmlns:p="http://schemas.openxmlformats.org/presentationml/2006/main" xmlns:r="http://schemas.openxmlformats.org/officeDocument/2006/relationships" xmlns:p14="http://schemas.microsoft.com/office/powerpoint/2010/main" xmlns:p15="http://schemas.microsoft.com/office/powerpoint/2012/main" xmlns:mc="http://schemas.openxmlformats.org/markup-compatibility/2006" type="twoObjOverTx" preserve="1">
+<p:sldLayout xmlns:a="http://schemas.openxmlformats.org/drawingml/2006/main" xmlns:r="http://schemas.openxmlformats.org/officeDocument/2006/relationships" xmlns:p="http://schemas.openxmlformats.org/presentationml/2006/main" type="twoObjOverTx" preserve="1">
   <p:cSld name="Title, 2 Content over Content">
     <p:spTree>
       <p:nvGrpSpPr>
@@ -2750,11 +2982,12 @@
           </a:prstGeom>
         </p:spPr>
         <p:txBody>
-          <a:bodyPr lIns="0" rIns="0" tIns="0" bIns="0" anchor="ctr"/>
-          <a:p>
-            <a:endParaRPr b="0" lang="en-US" sz="1800" spc="-1" strike="noStrike">
-              <a:solidFill>
-                <a:srgbClr val="2e2b21"/>
+          <a:bodyPr lIns="0" tIns="0" rIns="0" bIns="0" anchor="ctr"/>
+          <a:lstStyle/>
+          <a:p>
+            <a:endParaRPr lang="en-US" sz="1800" b="0" strike="noStrike" spc="-1">
+              <a:solidFill>
+                <a:srgbClr val="2E2B21"/>
               </a:solidFill>
               <a:latin typeface="Tw Cen MT"/>
             </a:endParaRPr>
@@ -2781,13 +3014,14 @@
           </a:prstGeom>
         </p:spPr>
         <p:txBody>
-          <a:bodyPr lIns="0" rIns="0" tIns="0" bIns="0">
+          <a:bodyPr lIns="0" tIns="0" rIns="0" bIns="0">
             <a:normAutofit/>
           </a:bodyPr>
-          <a:p>
-            <a:endParaRPr b="0" lang="en-US" sz="2200" spc="-1" strike="noStrike">
-              <a:solidFill>
-                <a:srgbClr val="2e2b21"/>
+          <a:lstStyle/>
+          <a:p>
+            <a:endParaRPr lang="en-US" sz="2200" b="0" strike="noStrike" spc="-1">
+              <a:solidFill>
+                <a:srgbClr val="2E2B21"/>
               </a:solidFill>
               <a:latin typeface="Tw Cen MT"/>
             </a:endParaRPr>
@@ -2814,13 +3048,14 @@
           </a:prstGeom>
         </p:spPr>
         <p:txBody>
-          <a:bodyPr lIns="0" rIns="0" tIns="0" bIns="0">
+          <a:bodyPr lIns="0" tIns="0" rIns="0" bIns="0">
             <a:normAutofit/>
           </a:bodyPr>
-          <a:p>
-            <a:endParaRPr b="0" lang="en-US" sz="2200" spc="-1" strike="noStrike">
-              <a:solidFill>
-                <a:srgbClr val="2e2b21"/>
+          <a:lstStyle/>
+          <a:p>
+            <a:endParaRPr lang="en-US" sz="2200" b="0" strike="noStrike" spc="-1">
+              <a:solidFill>
+                <a:srgbClr val="2E2B21"/>
               </a:solidFill>
               <a:latin typeface="Tw Cen MT"/>
             </a:endParaRPr>
@@ -2847,13 +3082,14 @@
           </a:prstGeom>
         </p:spPr>
         <p:txBody>
-          <a:bodyPr lIns="0" rIns="0" tIns="0" bIns="0">
+          <a:bodyPr lIns="0" tIns="0" rIns="0" bIns="0">
             <a:normAutofit/>
           </a:bodyPr>
-          <a:p>
-            <a:endParaRPr b="0" lang="en-US" sz="2200" spc="-1" strike="noStrike">
-              <a:solidFill>
-                <a:srgbClr val="2e2b21"/>
+          <a:lstStyle/>
+          <a:p>
+            <a:endParaRPr lang="en-US" sz="2200" b="0" strike="noStrike" spc="-1">
+              <a:solidFill>
+                <a:srgbClr val="2E2B21"/>
               </a:solidFill>
               <a:latin typeface="Tw Cen MT"/>
             </a:endParaRPr>
@@ -2862,17 +3098,21 @@
       </p:sp>
     </p:spTree>
   </p:cSld>
+  <p:clrMapOvr>
+    <a:masterClrMapping/>
+  </p:clrMapOvr>
 </p:sldLayout>
 </file>
 
 <file path=ppt/slideMasters/slideMaster1.xml><?xml version="1.0" encoding="utf-8"?>
-<p:sldMaster xmlns:a="http://schemas.openxmlformats.org/drawingml/2006/main" xmlns:p="http://schemas.openxmlformats.org/presentationml/2006/main" xmlns:r="http://schemas.openxmlformats.org/officeDocument/2006/relationships" xmlns:p14="http://schemas.microsoft.com/office/powerpoint/2010/main" xmlns:p15="http://schemas.microsoft.com/office/powerpoint/2012/main" xmlns:mc="http://schemas.openxmlformats.org/markup-compatibility/2006">
+<p:sldMaster xmlns:a="http://schemas.openxmlformats.org/drawingml/2006/main" xmlns:r="http://schemas.openxmlformats.org/officeDocument/2006/relationships" xmlns:p="http://schemas.openxmlformats.org/presentationml/2006/main">
   <p:cSld>
     <p:bg>
       <p:bgPr>
         <a:solidFill>
-          <a:srgbClr val="ffffff"/>
+          <a:srgbClr val="FFFFFF"/>
         </a:solidFill>
+        <a:effectLst/>
       </p:bgPr>
     </p:bg>
     <p:spTree>
@@ -2891,7 +3131,7 @@
       </p:grpSpPr>
       <p:sp>
         <p:nvSpPr>
-          <p:cNvPr id="0" name="Line 1"/>
+          <p:cNvPr id="8" name="Line 1"/>
           <p:cNvSpPr/>
           <p:nvPr/>
         </p:nvSpPr>
@@ -2925,7 +3165,7 @@
       </p:sp>
       <p:sp>
         <p:nvSpPr>
-          <p:cNvPr id="1" name="CustomShape 2"/>
+          <p:cNvPr id="9" name="CustomShape 2"/>
           <p:cNvSpPr/>
           <p:nvPr/>
         </p:nvSpPr>
@@ -2982,6 +3222,7 @@
           <a:bodyPr anchor="ctr">
             <a:normAutofit/>
           </a:bodyPr>
+          <a:lstStyle/>
           <a:p>
             <a:pPr algn="r">
               <a:lnSpc>
@@ -2989,7 +3230,7 @@
               </a:lnSpc>
             </a:pPr>
             <a:r>
-              <a:rPr b="0" lang="en-US" sz="5000" spc="199" strike="noStrike" cap="all">
+              <a:rPr lang="en-US" sz="5000" b="0" strike="noStrike" cap="all" spc="199">
                 <a:solidFill>
                   <a:srgbClr val="474233"/>
                 </a:solidFill>
@@ -2997,9 +3238,9 @@
               </a:rPr>
               <a:t>Klik om stijl te bewerken</a:t>
             </a:r>
-            <a:endParaRPr b="0" lang="en-US" sz="5000" spc="-1" strike="noStrike">
-              <a:solidFill>
-                <a:srgbClr val="2e2b21"/>
+            <a:endParaRPr lang="en-US" sz="5000" b="0" strike="noStrike" spc="-1">
+              <a:solidFill>
+                <a:srgbClr val="2E2B21"/>
               </a:solidFill>
               <a:latin typeface="Tw Cen MT"/>
             </a:endParaRPr>
@@ -3027,6 +3268,7 @@
         </p:spPr>
         <p:txBody>
           <a:bodyPr anchor="ctr"/>
+          <a:lstStyle/>
           <a:p>
             <a:pPr>
               <a:lnSpc>
@@ -3034,15 +3276,15 @@
               </a:lnSpc>
             </a:pPr>
             <a:fld id="{39516153-CF47-4B46-A56B-0C7719125C88}" type="datetime">
-              <a:rPr b="0" lang="en-US" sz="1000" spc="-1" strike="noStrike">
+              <a:rPr lang="en-US" sz="1000" b="0" strike="noStrike" spc="-1">
                 <a:solidFill>
                   <a:srgbClr val="474233"/>
                 </a:solidFill>
                 <a:latin typeface="Tw Cen MT Condensed"/>
               </a:rPr>
-              <a:t>9/16/18</a:t>
+              <a:t>9/16/2018</a:t>
             </a:fld>
-            <a:endParaRPr b="0" lang="en-US" sz="1000" spc="-1" strike="noStrike">
+            <a:endParaRPr lang="en-US" sz="1000" b="0" strike="noStrike" spc="-1">
               <a:latin typeface="Times New Roman"/>
             </a:endParaRPr>
           </a:p>
@@ -3069,8 +3311,9 @@
         </p:spPr>
         <p:txBody>
           <a:bodyPr anchor="ctr"/>
-          <a:p>
-            <a:endParaRPr b="0" lang="en-US" sz="2400" spc="-1" strike="noStrike">
+          <a:lstStyle/>
+          <a:p>
+            <a:endParaRPr lang="en-US" sz="2400" b="0" strike="noStrike" spc="-1">
               <a:latin typeface="Times New Roman"/>
             </a:endParaRPr>
           </a:p>
@@ -3097,6 +3340,7 @@
         </p:spPr>
         <p:txBody>
           <a:bodyPr anchor="ctr"/>
+          <a:lstStyle/>
           <a:p>
             <a:pPr>
               <a:lnSpc>
@@ -3104,15 +3348,15 @@
               </a:lnSpc>
             </a:pPr>
             <a:fld id="{32E84434-AB62-4E79-BC8D-17E83E1A445E}" type="slidenum">
-              <a:rPr b="0" lang="en-US" sz="1000" spc="-1" strike="noStrike">
+              <a:rPr lang="en-US" sz="1000" b="0" strike="noStrike" spc="-1">
                 <a:solidFill>
                   <a:srgbClr val="474233"/>
                 </a:solidFill>
                 <a:latin typeface="Tw Cen MT Condensed"/>
               </a:rPr>
-              <a:t>&lt;number&gt;</a:t>
+              <a:t>‹nr.›</a:t>
             </a:fld>
-            <a:endParaRPr b="0" lang="en-US" sz="1000" spc="-1" strike="noStrike">
+            <a:endParaRPr lang="en-US" sz="1000" b="0" strike="noStrike" spc="-1">
               <a:latin typeface="Times New Roman"/>
             </a:endParaRPr>
           </a:p>
@@ -3172,9 +3416,10 @@
           </a:prstGeom>
         </p:spPr>
         <p:txBody>
-          <a:bodyPr lIns="0" rIns="0" tIns="0" bIns="0">
+          <a:bodyPr lIns="0" tIns="0" rIns="0" bIns="0">
             <a:normAutofit/>
           </a:bodyPr>
+          <a:lstStyle/>
           <a:p>
             <a:pPr marL="432000" indent="-324000">
               <a:spcBef>
@@ -3188,23 +3433,17 @@
               <a:buChar char=""/>
             </a:pPr>
             <a:r>
-              <a:rPr b="0" lang="en-US" sz="2200" spc="-1" strike="noStrike">
+              <a:rPr lang="en-US" sz="2200" b="0" strike="noStrike" spc="-1">
                 <a:solidFill>
-                  <a:srgbClr val="2e2b21"/>
+                  <a:srgbClr val="2E2B21"/>
                 </a:solidFill>
                 <a:latin typeface="Tw Cen MT"/>
               </a:rPr>
               <a:t>Click to edit the outline text format</a:t>
             </a:r>
-            <a:endParaRPr b="0" lang="en-US" sz="2200" spc="-1" strike="noStrike">
-              <a:solidFill>
-                <a:srgbClr val="2e2b21"/>
-              </a:solidFill>
-              <a:latin typeface="Tw Cen MT"/>
-            </a:endParaRPr>
-          </a:p>
-          <a:p>
-            <a:pPr lvl="1" marL="864000" indent="-324000">
+          </a:p>
+          <a:p>
+            <a:pPr marL="864000" lvl="1" indent="-324000">
               <a:spcBef>
                 <a:spcPts val="1134"/>
               </a:spcBef>
@@ -3216,23 +3455,17 @@
               <a:buChar char=""/>
             </a:pPr>
             <a:r>
-              <a:rPr b="0" lang="en-US" sz="1400" spc="-1" strike="noStrike">
+              <a:rPr lang="en-US" sz="1400" b="0" strike="noStrike" spc="-1">
                 <a:solidFill>
-                  <a:srgbClr val="2e2b21"/>
+                  <a:srgbClr val="2E2B21"/>
                 </a:solidFill>
                 <a:latin typeface="Tw Cen MT"/>
               </a:rPr>
               <a:t>Second Outline Level</a:t>
             </a:r>
-            <a:endParaRPr b="0" lang="en-US" sz="1400" spc="-1" strike="noStrike">
-              <a:solidFill>
-                <a:srgbClr val="2e2b21"/>
-              </a:solidFill>
-              <a:latin typeface="Tw Cen MT"/>
-            </a:endParaRPr>
-          </a:p>
-          <a:p>
-            <a:pPr lvl="2" marL="1296000" indent="-288000">
+          </a:p>
+          <a:p>
+            <a:pPr marL="1296000" lvl="2" indent="-288000">
               <a:spcBef>
                 <a:spcPts val="850"/>
               </a:spcBef>
@@ -3244,23 +3477,17 @@
               <a:buChar char=""/>
             </a:pPr>
             <a:r>
-              <a:rPr b="0" lang="en-US" sz="1400" spc="-1" strike="noStrike">
+              <a:rPr lang="en-US" sz="1400" b="0" strike="noStrike" spc="-1">
                 <a:solidFill>
-                  <a:srgbClr val="2e2b21"/>
+                  <a:srgbClr val="2E2B21"/>
                 </a:solidFill>
                 <a:latin typeface="Tw Cen MT"/>
               </a:rPr>
               <a:t>Third Outline Level</a:t>
             </a:r>
-            <a:endParaRPr b="0" lang="en-US" sz="1400" spc="-1" strike="noStrike">
-              <a:solidFill>
-                <a:srgbClr val="2e2b21"/>
-              </a:solidFill>
-              <a:latin typeface="Tw Cen MT"/>
-            </a:endParaRPr>
-          </a:p>
-          <a:p>
-            <a:pPr lvl="3" marL="1728000" indent="-216000">
+          </a:p>
+          <a:p>
+            <a:pPr marL="1728000" lvl="3" indent="-216000">
               <a:spcBef>
                 <a:spcPts val="567"/>
               </a:spcBef>
@@ -3272,23 +3499,17 @@
               <a:buChar char=""/>
             </a:pPr>
             <a:r>
-              <a:rPr b="0" lang="en-US" sz="1400" spc="-1" strike="noStrike">
+              <a:rPr lang="en-US" sz="1400" b="0" strike="noStrike" spc="-1">
                 <a:solidFill>
-                  <a:srgbClr val="2e2b21"/>
+                  <a:srgbClr val="2E2B21"/>
                 </a:solidFill>
                 <a:latin typeface="Tw Cen MT"/>
               </a:rPr>
               <a:t>Fourth Outline Level</a:t>
             </a:r>
-            <a:endParaRPr b="0" lang="en-US" sz="1400" spc="-1" strike="noStrike">
-              <a:solidFill>
-                <a:srgbClr val="2e2b21"/>
-              </a:solidFill>
-              <a:latin typeface="Tw Cen MT"/>
-            </a:endParaRPr>
-          </a:p>
-          <a:p>
-            <a:pPr lvl="4" marL="2160000" indent="-216000">
+          </a:p>
+          <a:p>
+            <a:pPr marL="2160000" lvl="4" indent="-216000">
               <a:spcBef>
                 <a:spcPts val="283"/>
               </a:spcBef>
@@ -3300,23 +3521,17 @@
               <a:buChar char=""/>
             </a:pPr>
             <a:r>
-              <a:rPr b="0" lang="en-US" sz="2000" spc="-1" strike="noStrike">
+              <a:rPr lang="en-US" sz="2000" b="0" strike="noStrike" spc="-1">
                 <a:solidFill>
-                  <a:srgbClr val="2e2b21"/>
+                  <a:srgbClr val="2E2B21"/>
                 </a:solidFill>
                 <a:latin typeface="Tw Cen MT"/>
               </a:rPr>
               <a:t>Fifth Outline Level</a:t>
             </a:r>
-            <a:endParaRPr b="0" lang="en-US" sz="2000" spc="-1" strike="noStrike">
-              <a:solidFill>
-                <a:srgbClr val="2e2b21"/>
-              </a:solidFill>
-              <a:latin typeface="Tw Cen MT"/>
-            </a:endParaRPr>
-          </a:p>
-          <a:p>
-            <a:pPr lvl="5" marL="2592000" indent="-216000">
+          </a:p>
+          <a:p>
+            <a:pPr marL="2592000" lvl="5" indent="-216000">
               <a:spcBef>
                 <a:spcPts val="283"/>
               </a:spcBef>
@@ -3328,23 +3543,17 @@
               <a:buChar char=""/>
             </a:pPr>
             <a:r>
-              <a:rPr b="0" lang="en-US" sz="2000" spc="-1" strike="noStrike">
+              <a:rPr lang="en-US" sz="2000" b="0" strike="noStrike" spc="-1">
                 <a:solidFill>
-                  <a:srgbClr val="2e2b21"/>
+                  <a:srgbClr val="2E2B21"/>
                 </a:solidFill>
                 <a:latin typeface="Tw Cen MT"/>
               </a:rPr>
               <a:t>Sixth Outline Level</a:t>
             </a:r>
-            <a:endParaRPr b="0" lang="en-US" sz="2000" spc="-1" strike="noStrike">
-              <a:solidFill>
-                <a:srgbClr val="2e2b21"/>
-              </a:solidFill>
-              <a:latin typeface="Tw Cen MT"/>
-            </a:endParaRPr>
-          </a:p>
-          <a:p>
-            <a:pPr lvl="6" marL="3024000" indent="-216000">
+          </a:p>
+          <a:p>
+            <a:pPr marL="3024000" lvl="6" indent="-216000">
               <a:spcBef>
                 <a:spcPts val="283"/>
               </a:spcBef>
@@ -3356,51 +3565,326 @@
               <a:buChar char=""/>
             </a:pPr>
             <a:r>
-              <a:rPr b="0" lang="en-US" sz="2000" spc="-1" strike="noStrike">
+              <a:rPr lang="en-US" sz="2000" b="0" strike="noStrike" spc="-1">
                 <a:solidFill>
-                  <a:srgbClr val="2e2b21"/>
+                  <a:srgbClr val="2E2B21"/>
                 </a:solidFill>
                 <a:latin typeface="Tw Cen MT"/>
               </a:rPr>
               <a:t>Seventh Outline Level</a:t>
             </a:r>
-            <a:endParaRPr b="0" lang="en-US" sz="2000" spc="-1" strike="noStrike">
-              <a:solidFill>
-                <a:srgbClr val="2e2b21"/>
-              </a:solidFill>
-              <a:latin typeface="Tw Cen MT"/>
-            </a:endParaRPr>
           </a:p>
         </p:txBody>
       </p:sp>
     </p:spTree>
   </p:cSld>
-  <p:clrMap bg1="lt1" bg2="lt2" tx1="dk1" tx2="dk2" accent1="accent1" accent2="accent2" accent3="accent3" accent4="accent4" accent5="accent5" accent6="accent6" hlink="hlink" folHlink="folHlink"/>
+  <p:clrMap bg1="lt1" tx1="dk1" bg2="lt2" tx2="dk2" accent1="accent1" accent2="accent2" accent3="accent3" accent4="accent4" accent5="accent5" accent6="accent6" hlink="hlink" folHlink="folHlink"/>
   <p:sldLayoutIdLst>
-    <p:sldLayoutId id="2147483649" r:id="rId2"/>
-    <p:sldLayoutId id="2147483650" r:id="rId3"/>
-    <p:sldLayoutId id="2147483651" r:id="rId4"/>
-    <p:sldLayoutId id="2147483652" r:id="rId5"/>
-    <p:sldLayoutId id="2147483653" r:id="rId6"/>
-    <p:sldLayoutId id="2147483654" r:id="rId7"/>
-    <p:sldLayoutId id="2147483655" r:id="rId8"/>
-    <p:sldLayoutId id="2147483656" r:id="rId9"/>
-    <p:sldLayoutId id="2147483657" r:id="rId10"/>
-    <p:sldLayoutId id="2147483658" r:id="rId11"/>
-    <p:sldLayoutId id="2147483659" r:id="rId12"/>
-    <p:sldLayoutId id="2147483660" r:id="rId13"/>
+    <p:sldLayoutId id="2147483649" r:id="rId1"/>
+    <p:sldLayoutId id="2147483650" r:id="rId2"/>
+    <p:sldLayoutId id="2147483651" r:id="rId3"/>
+    <p:sldLayoutId id="2147483652" r:id="rId4"/>
+    <p:sldLayoutId id="2147483653" r:id="rId5"/>
+    <p:sldLayoutId id="2147483654" r:id="rId6"/>
+    <p:sldLayoutId id="2147483655" r:id="rId7"/>
+    <p:sldLayoutId id="2147483656" r:id="rId8"/>
+    <p:sldLayoutId id="2147483657" r:id="rId9"/>
+    <p:sldLayoutId id="2147483658" r:id="rId10"/>
+    <p:sldLayoutId id="2147483659" r:id="rId11"/>
+    <p:sldLayoutId id="2147483660" r:id="rId12"/>
   </p:sldLayoutIdLst>
+  <p:txStyles>
+    <p:titleStyle>
+      <a:lvl1pPr algn="l" defTabSz="914400" rtl="0" eaLnBrk="1" latinLnBrk="0" hangingPunct="1">
+        <a:lnSpc>
+          <a:spcPct val="90000"/>
+        </a:lnSpc>
+        <a:spcBef>
+          <a:spcPct val="0"/>
+        </a:spcBef>
+        <a:buNone/>
+        <a:defRPr sz="4400" kern="1200">
+          <a:solidFill>
+            <a:schemeClr val="tx1"/>
+          </a:solidFill>
+          <a:latin typeface="+mj-lt"/>
+          <a:ea typeface="+mj-ea"/>
+          <a:cs typeface="+mj-cs"/>
+        </a:defRPr>
+      </a:lvl1pPr>
+    </p:titleStyle>
+    <p:bodyStyle>
+      <a:lvl1pPr marL="228600" indent="-228600" algn="l" defTabSz="914400" rtl="0" eaLnBrk="1" latinLnBrk="0" hangingPunct="1">
+        <a:lnSpc>
+          <a:spcPct val="90000"/>
+        </a:lnSpc>
+        <a:spcBef>
+          <a:spcPts val="1000"/>
+        </a:spcBef>
+        <a:buFont typeface="Arial" panose="020B0604020202020204" pitchFamily="34" charset="0"/>
+        <a:buChar char="•"/>
+        <a:defRPr sz="2800" kern="1200">
+          <a:solidFill>
+            <a:schemeClr val="tx1"/>
+          </a:solidFill>
+          <a:latin typeface="+mn-lt"/>
+          <a:ea typeface="+mn-ea"/>
+          <a:cs typeface="+mn-cs"/>
+        </a:defRPr>
+      </a:lvl1pPr>
+      <a:lvl2pPr marL="685800" indent="-228600" algn="l" defTabSz="914400" rtl="0" eaLnBrk="1" latinLnBrk="0" hangingPunct="1">
+        <a:lnSpc>
+          <a:spcPct val="90000"/>
+        </a:lnSpc>
+        <a:spcBef>
+          <a:spcPts val="500"/>
+        </a:spcBef>
+        <a:buFont typeface="Arial" panose="020B0604020202020204" pitchFamily="34" charset="0"/>
+        <a:buChar char="•"/>
+        <a:defRPr sz="2400" kern="1200">
+          <a:solidFill>
+            <a:schemeClr val="tx1"/>
+          </a:solidFill>
+          <a:latin typeface="+mn-lt"/>
+          <a:ea typeface="+mn-ea"/>
+          <a:cs typeface="+mn-cs"/>
+        </a:defRPr>
+      </a:lvl2pPr>
+      <a:lvl3pPr marL="1143000" indent="-228600" algn="l" defTabSz="914400" rtl="0" eaLnBrk="1" latinLnBrk="0" hangingPunct="1">
+        <a:lnSpc>
+          <a:spcPct val="90000"/>
+        </a:lnSpc>
+        <a:spcBef>
+          <a:spcPts val="500"/>
+        </a:spcBef>
+        <a:buFont typeface="Arial" panose="020B0604020202020204" pitchFamily="34" charset="0"/>
+        <a:buChar char="•"/>
+        <a:defRPr sz="2000" kern="1200">
+          <a:solidFill>
+            <a:schemeClr val="tx1"/>
+          </a:solidFill>
+          <a:latin typeface="+mn-lt"/>
+          <a:ea typeface="+mn-ea"/>
+          <a:cs typeface="+mn-cs"/>
+        </a:defRPr>
+      </a:lvl3pPr>
+      <a:lvl4pPr marL="1600200" indent="-228600" algn="l" defTabSz="914400" rtl="0" eaLnBrk="1" latinLnBrk="0" hangingPunct="1">
+        <a:lnSpc>
+          <a:spcPct val="90000"/>
+        </a:lnSpc>
+        <a:spcBef>
+          <a:spcPts val="500"/>
+        </a:spcBef>
+        <a:buFont typeface="Arial" panose="020B0604020202020204" pitchFamily="34" charset="0"/>
+        <a:buChar char="•"/>
+        <a:defRPr sz="1800" kern="1200">
+          <a:solidFill>
+            <a:schemeClr val="tx1"/>
+          </a:solidFill>
+          <a:latin typeface="+mn-lt"/>
+          <a:ea typeface="+mn-ea"/>
+          <a:cs typeface="+mn-cs"/>
+        </a:defRPr>
+      </a:lvl4pPr>
+      <a:lvl5pPr marL="2057400" indent="-228600" algn="l" defTabSz="914400" rtl="0" eaLnBrk="1" latinLnBrk="0" hangingPunct="1">
+        <a:lnSpc>
+          <a:spcPct val="90000"/>
+        </a:lnSpc>
+        <a:spcBef>
+          <a:spcPts val="500"/>
+        </a:spcBef>
+        <a:buFont typeface="Arial" panose="020B0604020202020204" pitchFamily="34" charset="0"/>
+        <a:buChar char="•"/>
+        <a:defRPr sz="1800" kern="1200">
+          <a:solidFill>
+            <a:schemeClr val="tx1"/>
+          </a:solidFill>
+          <a:latin typeface="+mn-lt"/>
+          <a:ea typeface="+mn-ea"/>
+          <a:cs typeface="+mn-cs"/>
+        </a:defRPr>
+      </a:lvl5pPr>
+      <a:lvl6pPr marL="2514600" indent="-228600" algn="l" defTabSz="914400" rtl="0" eaLnBrk="1" latinLnBrk="0" hangingPunct="1">
+        <a:lnSpc>
+          <a:spcPct val="90000"/>
+        </a:lnSpc>
+        <a:spcBef>
+          <a:spcPts val="500"/>
+        </a:spcBef>
+        <a:buFont typeface="Arial" panose="020B0604020202020204" pitchFamily="34" charset="0"/>
+        <a:buChar char="•"/>
+        <a:defRPr sz="1800" kern="1200">
+          <a:solidFill>
+            <a:schemeClr val="tx1"/>
+          </a:solidFill>
+          <a:latin typeface="+mn-lt"/>
+          <a:ea typeface="+mn-ea"/>
+          <a:cs typeface="+mn-cs"/>
+        </a:defRPr>
+      </a:lvl6pPr>
+      <a:lvl7pPr marL="2971800" indent="-228600" algn="l" defTabSz="914400" rtl="0" eaLnBrk="1" latinLnBrk="0" hangingPunct="1">
+        <a:lnSpc>
+          <a:spcPct val="90000"/>
+        </a:lnSpc>
+        <a:spcBef>
+          <a:spcPts val="500"/>
+        </a:spcBef>
+        <a:buFont typeface="Arial" panose="020B0604020202020204" pitchFamily="34" charset="0"/>
+        <a:buChar char="•"/>
+        <a:defRPr sz="1800" kern="1200">
+          <a:solidFill>
+            <a:schemeClr val="tx1"/>
+          </a:solidFill>
+          <a:latin typeface="+mn-lt"/>
+          <a:ea typeface="+mn-ea"/>
+          <a:cs typeface="+mn-cs"/>
+        </a:defRPr>
+      </a:lvl7pPr>
+      <a:lvl8pPr marL="3429000" indent="-228600" algn="l" defTabSz="914400" rtl="0" eaLnBrk="1" latinLnBrk="0" hangingPunct="1">
+        <a:lnSpc>
+          <a:spcPct val="90000"/>
+        </a:lnSpc>
+        <a:spcBef>
+          <a:spcPts val="500"/>
+        </a:spcBef>
+        <a:buFont typeface="Arial" panose="020B0604020202020204" pitchFamily="34" charset="0"/>
+        <a:buChar char="•"/>
+        <a:defRPr sz="1800" kern="1200">
+          <a:solidFill>
+            <a:schemeClr val="tx1"/>
+          </a:solidFill>
+          <a:latin typeface="+mn-lt"/>
+          <a:ea typeface="+mn-ea"/>
+          <a:cs typeface="+mn-cs"/>
+        </a:defRPr>
+      </a:lvl8pPr>
+      <a:lvl9pPr marL="3886200" indent="-228600" algn="l" defTabSz="914400" rtl="0" eaLnBrk="1" latinLnBrk="0" hangingPunct="1">
+        <a:lnSpc>
+          <a:spcPct val="90000"/>
+        </a:lnSpc>
+        <a:spcBef>
+          <a:spcPts val="500"/>
+        </a:spcBef>
+        <a:buFont typeface="Arial" panose="020B0604020202020204" pitchFamily="34" charset="0"/>
+        <a:buChar char="•"/>
+        <a:defRPr sz="1800" kern="1200">
+          <a:solidFill>
+            <a:schemeClr val="tx1"/>
+          </a:solidFill>
+          <a:latin typeface="+mn-lt"/>
+          <a:ea typeface="+mn-ea"/>
+          <a:cs typeface="+mn-cs"/>
+        </a:defRPr>
+      </a:lvl9pPr>
+    </p:bodyStyle>
+    <p:otherStyle>
+      <a:defPPr>
+        <a:defRPr lang="nl-NL"/>
+      </a:defPPr>
+      <a:lvl1pPr marL="0" algn="l" defTabSz="914400" rtl="0" eaLnBrk="1" latinLnBrk="0" hangingPunct="1">
+        <a:defRPr sz="1800" kern="1200">
+          <a:solidFill>
+            <a:schemeClr val="tx1"/>
+          </a:solidFill>
+          <a:latin typeface="+mn-lt"/>
+          <a:ea typeface="+mn-ea"/>
+          <a:cs typeface="+mn-cs"/>
+        </a:defRPr>
+      </a:lvl1pPr>
+      <a:lvl2pPr marL="457200" algn="l" defTabSz="914400" rtl="0" eaLnBrk="1" latinLnBrk="0" hangingPunct="1">
+        <a:defRPr sz="1800" kern="1200">
+          <a:solidFill>
+            <a:schemeClr val="tx1"/>
+          </a:solidFill>
+          <a:latin typeface="+mn-lt"/>
+          <a:ea typeface="+mn-ea"/>
+          <a:cs typeface="+mn-cs"/>
+        </a:defRPr>
+      </a:lvl2pPr>
+      <a:lvl3pPr marL="914400" algn="l" defTabSz="914400" rtl="0" eaLnBrk="1" latinLnBrk="0" hangingPunct="1">
+        <a:defRPr sz="1800" kern="1200">
+          <a:solidFill>
+            <a:schemeClr val="tx1"/>
+          </a:solidFill>
+          <a:latin typeface="+mn-lt"/>
+          <a:ea typeface="+mn-ea"/>
+          <a:cs typeface="+mn-cs"/>
+        </a:defRPr>
+      </a:lvl3pPr>
+      <a:lvl4pPr marL="1371600" algn="l" defTabSz="914400" rtl="0" eaLnBrk="1" latinLnBrk="0" hangingPunct="1">
+        <a:defRPr sz="1800" kern="1200">
+          <a:solidFill>
+            <a:schemeClr val="tx1"/>
+          </a:solidFill>
+          <a:latin typeface="+mn-lt"/>
+          <a:ea typeface="+mn-ea"/>
+          <a:cs typeface="+mn-cs"/>
+        </a:defRPr>
+      </a:lvl4pPr>
+      <a:lvl5pPr marL="1828800" algn="l" defTabSz="914400" rtl="0" eaLnBrk="1" latinLnBrk="0" hangingPunct="1">
+        <a:defRPr sz="1800" kern="1200">
+          <a:solidFill>
+            <a:schemeClr val="tx1"/>
+          </a:solidFill>
+          <a:latin typeface="+mn-lt"/>
+          <a:ea typeface="+mn-ea"/>
+          <a:cs typeface="+mn-cs"/>
+        </a:defRPr>
+      </a:lvl5pPr>
+      <a:lvl6pPr marL="2286000" algn="l" defTabSz="914400" rtl="0" eaLnBrk="1" latinLnBrk="0" hangingPunct="1">
+        <a:defRPr sz="1800" kern="1200">
+          <a:solidFill>
+            <a:schemeClr val="tx1"/>
+          </a:solidFill>
+          <a:latin typeface="+mn-lt"/>
+          <a:ea typeface="+mn-ea"/>
+          <a:cs typeface="+mn-cs"/>
+        </a:defRPr>
+      </a:lvl6pPr>
+      <a:lvl7pPr marL="2743200" algn="l" defTabSz="914400" rtl="0" eaLnBrk="1" latinLnBrk="0" hangingPunct="1">
+        <a:defRPr sz="1800" kern="1200">
+          <a:solidFill>
+            <a:schemeClr val="tx1"/>
+          </a:solidFill>
+          <a:latin typeface="+mn-lt"/>
+          <a:ea typeface="+mn-ea"/>
+          <a:cs typeface="+mn-cs"/>
+        </a:defRPr>
+      </a:lvl7pPr>
+      <a:lvl8pPr marL="3200400" algn="l" defTabSz="914400" rtl="0" eaLnBrk="1" latinLnBrk="0" hangingPunct="1">
+        <a:defRPr sz="1800" kern="1200">
+          <a:solidFill>
+            <a:schemeClr val="tx1"/>
+          </a:solidFill>
+          <a:latin typeface="+mn-lt"/>
+          <a:ea typeface="+mn-ea"/>
+          <a:cs typeface="+mn-cs"/>
+        </a:defRPr>
+      </a:lvl8pPr>
+      <a:lvl9pPr marL="3657600" algn="l" defTabSz="914400" rtl="0" eaLnBrk="1" latinLnBrk="0" hangingPunct="1">
+        <a:defRPr sz="1800" kern="1200">
+          <a:solidFill>
+            <a:schemeClr val="tx1"/>
+          </a:solidFill>
+          <a:latin typeface="+mn-lt"/>
+          <a:ea typeface="+mn-ea"/>
+          <a:cs typeface="+mn-cs"/>
+        </a:defRPr>
+      </a:lvl9pPr>
+    </p:otherStyle>
+  </p:txStyles>
 </p:sldMaster>
 </file>
 
 <file path=ppt/slideMasters/slideMaster2.xml><?xml version="1.0" encoding="utf-8"?>
-<p:sldMaster xmlns:a="http://schemas.openxmlformats.org/drawingml/2006/main" xmlns:p="http://schemas.openxmlformats.org/presentationml/2006/main" xmlns:r="http://schemas.openxmlformats.org/officeDocument/2006/relationships" xmlns:p14="http://schemas.microsoft.com/office/powerpoint/2010/main" xmlns:p15="http://schemas.microsoft.com/office/powerpoint/2012/main" xmlns:mc="http://schemas.openxmlformats.org/markup-compatibility/2006">
+<p:sldMaster xmlns:a="http://schemas.openxmlformats.org/drawingml/2006/main" xmlns:r="http://schemas.openxmlformats.org/officeDocument/2006/relationships" xmlns:p="http://schemas.openxmlformats.org/presentationml/2006/main">
   <p:cSld>
     <p:bg>
       <p:bgPr>
         <a:solidFill>
-          <a:srgbClr val="ffffff"/>
+          <a:srgbClr val="FFFFFF"/>
         </a:solidFill>
+        <a:effectLst/>
       </p:bgPr>
     </p:bg>
     <p:spTree>
@@ -3472,6 +3956,7 @@
         </p:spPr>
         <p:txBody>
           <a:bodyPr anchor="ctr"/>
+          <a:lstStyle/>
           <a:p>
             <a:pPr>
               <a:lnSpc>
@@ -3479,7 +3964,7 @@
               </a:lnSpc>
             </a:pPr>
             <a:r>
-              <a:rPr b="0" lang="en-US" sz="5000" spc="97" strike="noStrike" cap="all">
+              <a:rPr lang="en-US" sz="5000" b="0" strike="noStrike" cap="all" spc="97">
                 <a:solidFill>
                   <a:srgbClr val="474233"/>
                 </a:solidFill>
@@ -3487,9 +3972,9 @@
               </a:rPr>
               <a:t>Klik om stijl te bewerken</a:t>
             </a:r>
-            <a:endParaRPr b="0" lang="en-US" sz="5000" spc="-1" strike="noStrike">
-              <a:solidFill>
-                <a:srgbClr val="2e2b21"/>
+            <a:endParaRPr lang="en-US" sz="5000" b="0" strike="noStrike" spc="-1">
+              <a:solidFill>
+                <a:srgbClr val="2E2B21"/>
               </a:solidFill>
               <a:latin typeface="Tw Cen MT"/>
             </a:endParaRPr>
@@ -3517,6 +4002,7 @@
         </p:spPr>
         <p:txBody>
           <a:bodyPr lIns="45720" rIns="45720"/>
+          <a:lstStyle/>
           <a:p>
             <a:pPr marL="91440" indent="-91080">
               <a:lnSpc>
@@ -3529,29 +4015,23 @@
                 <a:spcPts val="201"/>
               </a:spcAft>
               <a:buClr>
-                <a:srgbClr val="9cbebd"/>
+                <a:srgbClr val="9CBEBD"/>
               </a:buClr>
               <a:buFont typeface="Tw Cen MT"/>
               <a:buChar char=" "/>
             </a:pPr>
             <a:r>
-              <a:rPr b="0" lang="en-US" sz="2200" spc="-1" strike="noStrike">
+              <a:rPr lang="en-US" sz="2200" b="0" strike="noStrike" spc="-1">
                 <a:solidFill>
-                  <a:srgbClr val="2e2b21"/>
+                  <a:srgbClr val="2E2B21"/>
                 </a:solidFill>
                 <a:latin typeface="Tw Cen MT"/>
               </a:rPr>
               <a:t>Tekststijl van het model bewerken</a:t>
             </a:r>
-            <a:endParaRPr b="0" lang="en-US" sz="2200" spc="-1" strike="noStrike">
-              <a:solidFill>
-                <a:srgbClr val="2e2b21"/>
-              </a:solidFill>
-              <a:latin typeface="Tw Cen MT"/>
-            </a:endParaRPr>
-          </a:p>
-          <a:p>
-            <a:pPr lvl="1" marL="265320" indent="-136800">
+          </a:p>
+          <a:p>
+            <a:pPr marL="265320" lvl="1" indent="-136800">
               <a:lnSpc>
                 <a:spcPct val="90000"/>
               </a:lnSpc>
@@ -3562,29 +4042,23 @@
                 <a:spcPts val="400"/>
               </a:spcAft>
               <a:buClr>
-                <a:srgbClr val="9cbebd"/>
+                <a:srgbClr val="9CBEBD"/>
               </a:buClr>
               <a:buFont typeface="Wingdings 3" charset="2"/>
               <a:buChar char=""/>
             </a:pPr>
             <a:r>
-              <a:rPr b="0" lang="en-US" sz="1800" spc="-1" strike="noStrike">
+              <a:rPr lang="en-US" sz="1800" b="0" strike="noStrike" spc="-1">
                 <a:solidFill>
-                  <a:srgbClr val="2e2b21"/>
+                  <a:srgbClr val="2E2B21"/>
                 </a:solidFill>
                 <a:latin typeface="Tw Cen MT"/>
               </a:rPr>
               <a:t>Tweede niveau</a:t>
             </a:r>
-            <a:endParaRPr b="0" lang="en-US" sz="1800" spc="-1" strike="noStrike">
-              <a:solidFill>
-                <a:srgbClr val="2e2b21"/>
-              </a:solidFill>
-              <a:latin typeface="Tw Cen MT"/>
-            </a:endParaRPr>
-          </a:p>
-          <a:p>
-            <a:pPr lvl="2" marL="448200" indent="-136800">
+          </a:p>
+          <a:p>
+            <a:pPr marL="448200" lvl="2" indent="-136800">
               <a:lnSpc>
                 <a:spcPct val="90000"/>
               </a:lnSpc>
@@ -3595,29 +4069,23 @@
                 <a:spcPts val="400"/>
               </a:spcAft>
               <a:buClr>
-                <a:srgbClr val="9cbebd"/>
+                <a:srgbClr val="9CBEBD"/>
               </a:buClr>
               <a:buFont typeface="Wingdings 3" charset="2"/>
               <a:buChar char=""/>
             </a:pPr>
             <a:r>
-              <a:rPr b="0" lang="en-US" sz="1400" spc="-1" strike="noStrike">
+              <a:rPr lang="en-US" sz="1400" b="0" strike="noStrike" spc="-1">
                 <a:solidFill>
-                  <a:srgbClr val="2e2b21"/>
+                  <a:srgbClr val="2E2B21"/>
                 </a:solidFill>
                 <a:latin typeface="Tw Cen MT"/>
               </a:rPr>
               <a:t>Derde niveau</a:t>
             </a:r>
-            <a:endParaRPr b="0" lang="en-US" sz="1400" spc="-1" strike="noStrike">
-              <a:solidFill>
-                <a:srgbClr val="2e2b21"/>
-              </a:solidFill>
-              <a:latin typeface="Tw Cen MT"/>
-            </a:endParaRPr>
-          </a:p>
-          <a:p>
-            <a:pPr lvl="3" marL="594360" indent="-136800">
+          </a:p>
+          <a:p>
+            <a:pPr marL="594360" lvl="3" indent="-136800">
               <a:lnSpc>
                 <a:spcPct val="90000"/>
               </a:lnSpc>
@@ -3628,29 +4096,23 @@
                 <a:spcPts val="400"/>
               </a:spcAft>
               <a:buClr>
-                <a:srgbClr val="9cbebd"/>
+                <a:srgbClr val="9CBEBD"/>
               </a:buClr>
               <a:buFont typeface="Wingdings 3" charset="2"/>
               <a:buChar char=""/>
             </a:pPr>
             <a:r>
-              <a:rPr b="0" lang="en-US" sz="1400" spc="-1" strike="noStrike">
+              <a:rPr lang="en-US" sz="1400" b="0" strike="noStrike" spc="-1">
                 <a:solidFill>
-                  <a:srgbClr val="2e2b21"/>
+                  <a:srgbClr val="2E2B21"/>
                 </a:solidFill>
                 <a:latin typeface="Tw Cen MT"/>
               </a:rPr>
               <a:t>Vierde niveau</a:t>
             </a:r>
-            <a:endParaRPr b="0" lang="en-US" sz="1400" spc="-1" strike="noStrike">
-              <a:solidFill>
-                <a:srgbClr val="2e2b21"/>
-              </a:solidFill>
-              <a:latin typeface="Tw Cen MT"/>
-            </a:endParaRPr>
-          </a:p>
-          <a:p>
-            <a:pPr lvl="4" marL="777240" indent="-136800">
+          </a:p>
+          <a:p>
+            <a:pPr marL="777240" lvl="4" indent="-136800">
               <a:lnSpc>
                 <a:spcPct val="90000"/>
               </a:lnSpc>
@@ -3661,26 +4123,20 @@
                 <a:spcPts val="400"/>
               </a:spcAft>
               <a:buClr>
-                <a:srgbClr val="9cbebd"/>
+                <a:srgbClr val="9CBEBD"/>
               </a:buClr>
               <a:buFont typeface="Wingdings 3" charset="2"/>
               <a:buChar char=""/>
             </a:pPr>
             <a:r>
-              <a:rPr b="0" lang="en-US" sz="1400" spc="-1" strike="noStrike">
+              <a:rPr lang="en-US" sz="1400" b="0" strike="noStrike" spc="-1">
                 <a:solidFill>
-                  <a:srgbClr val="2e2b21"/>
+                  <a:srgbClr val="2E2B21"/>
                 </a:solidFill>
                 <a:latin typeface="Tw Cen MT"/>
               </a:rPr>
               <a:t>Vijfde niveau</a:t>
             </a:r>
-            <a:endParaRPr b="0" lang="en-US" sz="1400" spc="-1" strike="noStrike">
-              <a:solidFill>
-                <a:srgbClr val="2e2b21"/>
-              </a:solidFill>
-              <a:latin typeface="Tw Cen MT"/>
-            </a:endParaRPr>
           </a:p>
         </p:txBody>
       </p:sp>
@@ -3705,6 +4161,7 @@
         </p:spPr>
         <p:txBody>
           <a:bodyPr anchor="ctr"/>
+          <a:lstStyle/>
           <a:p>
             <a:pPr>
               <a:lnSpc>
@@ -3712,15 +4169,15 @@
               </a:lnSpc>
             </a:pPr>
             <a:fld id="{EF0A0744-549B-40FF-AED7-DD6C0EAB095E}" type="datetime">
-              <a:rPr b="0" lang="en-US" sz="1000" spc="-1" strike="noStrike">
+              <a:rPr lang="en-US" sz="1000" b="0" strike="noStrike" spc="-1">
                 <a:solidFill>
                   <a:srgbClr val="474233"/>
                 </a:solidFill>
                 <a:latin typeface="Tw Cen MT Condensed"/>
               </a:rPr>
-              <a:t>9/16/18</a:t>
+              <a:t>9/16/2018</a:t>
             </a:fld>
-            <a:endParaRPr b="0" lang="en-US" sz="1000" spc="-1" strike="noStrike">
+            <a:endParaRPr lang="en-US" sz="1000" b="0" strike="noStrike" spc="-1">
               <a:latin typeface="Times New Roman"/>
             </a:endParaRPr>
           </a:p>
@@ -3747,8 +4204,9 @@
         </p:spPr>
         <p:txBody>
           <a:bodyPr anchor="ctr"/>
-          <a:p>
-            <a:endParaRPr b="0" lang="en-US" sz="2400" spc="-1" strike="noStrike">
+          <a:lstStyle/>
+          <a:p>
+            <a:endParaRPr lang="en-US" sz="2400" b="0" strike="noStrike" spc="-1">
               <a:latin typeface="Times New Roman"/>
             </a:endParaRPr>
           </a:p>
@@ -3775,6 +4233,7 @@
         </p:spPr>
         <p:txBody>
           <a:bodyPr anchor="ctr"/>
+          <a:lstStyle/>
           <a:p>
             <a:pPr>
               <a:lnSpc>
@@ -3782,15 +4241,15 @@
               </a:lnSpc>
             </a:pPr>
             <a:fld id="{9548DADC-6556-44AE-B6C6-827312BCA841}" type="slidenum">
-              <a:rPr b="0" lang="en-US" sz="1000" spc="-1" strike="noStrike">
+              <a:rPr lang="en-US" sz="1000" b="0" strike="noStrike" spc="-1">
                 <a:solidFill>
                   <a:srgbClr val="474233"/>
                 </a:solidFill>
                 <a:latin typeface="Tw Cen MT Condensed"/>
               </a:rPr>
-              <a:t>&lt;number&gt;</a:t>
+              <a:t>‹nr.›</a:t>
             </a:fld>
-            <a:endParaRPr b="0" lang="en-US" sz="1000" spc="-1" strike="noStrike">
+            <a:endParaRPr lang="en-US" sz="1000" b="0" strike="noStrike" spc="-1">
               <a:latin typeface="Times New Roman"/>
             </a:endParaRPr>
           </a:p>
@@ -3798,32 +4257,313 @@
       </p:sp>
     </p:spTree>
   </p:cSld>
-  <p:clrMap bg1="lt1" bg2="lt2" tx1="dk1" tx2="dk2" accent1="accent1" accent2="accent2" accent3="accent3" accent4="accent4" accent5="accent5" accent6="accent6" hlink="hlink" folHlink="folHlink"/>
+  <p:clrMap bg1="lt1" tx1="dk1" bg2="lt2" tx2="dk2" accent1="accent1" accent2="accent2" accent3="accent3" accent4="accent4" accent5="accent5" accent6="accent6" hlink="hlink" folHlink="folHlink"/>
   <p:sldLayoutIdLst>
-    <p:sldLayoutId id="2147483662" r:id="rId2"/>
-    <p:sldLayoutId id="2147483663" r:id="rId3"/>
-    <p:sldLayoutId id="2147483664" r:id="rId4"/>
-    <p:sldLayoutId id="2147483665" r:id="rId5"/>
-    <p:sldLayoutId id="2147483666" r:id="rId6"/>
-    <p:sldLayoutId id="2147483667" r:id="rId7"/>
-    <p:sldLayoutId id="2147483668" r:id="rId8"/>
-    <p:sldLayoutId id="2147483669" r:id="rId9"/>
-    <p:sldLayoutId id="2147483670" r:id="rId10"/>
-    <p:sldLayoutId id="2147483671" r:id="rId11"/>
-    <p:sldLayoutId id="2147483672" r:id="rId12"/>
-    <p:sldLayoutId id="2147483673" r:id="rId13"/>
+    <p:sldLayoutId id="2147483662" r:id="rId1"/>
+    <p:sldLayoutId id="2147483663" r:id="rId2"/>
+    <p:sldLayoutId id="2147483664" r:id="rId3"/>
+    <p:sldLayoutId id="2147483665" r:id="rId4"/>
+    <p:sldLayoutId id="2147483666" r:id="rId5"/>
+    <p:sldLayoutId id="2147483667" r:id="rId6"/>
+    <p:sldLayoutId id="2147483668" r:id="rId7"/>
+    <p:sldLayoutId id="2147483669" r:id="rId8"/>
+    <p:sldLayoutId id="2147483670" r:id="rId9"/>
+    <p:sldLayoutId id="2147483671" r:id="rId10"/>
+    <p:sldLayoutId id="2147483672" r:id="rId11"/>
+    <p:sldLayoutId id="2147483673" r:id="rId12"/>
   </p:sldLayoutIdLst>
+  <p:txStyles>
+    <p:titleStyle>
+      <a:lvl1pPr algn="l" defTabSz="914400" rtl="0" eaLnBrk="1" latinLnBrk="0" hangingPunct="1">
+        <a:lnSpc>
+          <a:spcPct val="90000"/>
+        </a:lnSpc>
+        <a:spcBef>
+          <a:spcPct val="0"/>
+        </a:spcBef>
+        <a:buNone/>
+        <a:defRPr sz="4400" kern="1200">
+          <a:solidFill>
+            <a:schemeClr val="tx1"/>
+          </a:solidFill>
+          <a:latin typeface="+mj-lt"/>
+          <a:ea typeface="+mj-ea"/>
+          <a:cs typeface="+mj-cs"/>
+        </a:defRPr>
+      </a:lvl1pPr>
+    </p:titleStyle>
+    <p:bodyStyle>
+      <a:lvl1pPr marL="228600" indent="-228600" algn="l" defTabSz="914400" rtl="0" eaLnBrk="1" latinLnBrk="0" hangingPunct="1">
+        <a:lnSpc>
+          <a:spcPct val="90000"/>
+        </a:lnSpc>
+        <a:spcBef>
+          <a:spcPts val="1000"/>
+        </a:spcBef>
+        <a:buFont typeface="Arial" panose="020B0604020202020204" pitchFamily="34" charset="0"/>
+        <a:buChar char="•"/>
+        <a:defRPr sz="2800" kern="1200">
+          <a:solidFill>
+            <a:schemeClr val="tx1"/>
+          </a:solidFill>
+          <a:latin typeface="+mn-lt"/>
+          <a:ea typeface="+mn-ea"/>
+          <a:cs typeface="+mn-cs"/>
+        </a:defRPr>
+      </a:lvl1pPr>
+      <a:lvl2pPr marL="685800" indent="-228600" algn="l" defTabSz="914400" rtl="0" eaLnBrk="1" latinLnBrk="0" hangingPunct="1">
+        <a:lnSpc>
+          <a:spcPct val="90000"/>
+        </a:lnSpc>
+        <a:spcBef>
+          <a:spcPts val="500"/>
+        </a:spcBef>
+        <a:buFont typeface="Arial" panose="020B0604020202020204" pitchFamily="34" charset="0"/>
+        <a:buChar char="•"/>
+        <a:defRPr sz="2400" kern="1200">
+          <a:solidFill>
+            <a:schemeClr val="tx1"/>
+          </a:solidFill>
+          <a:latin typeface="+mn-lt"/>
+          <a:ea typeface="+mn-ea"/>
+          <a:cs typeface="+mn-cs"/>
+        </a:defRPr>
+      </a:lvl2pPr>
+      <a:lvl3pPr marL="1143000" indent="-228600" algn="l" defTabSz="914400" rtl="0" eaLnBrk="1" latinLnBrk="0" hangingPunct="1">
+        <a:lnSpc>
+          <a:spcPct val="90000"/>
+        </a:lnSpc>
+        <a:spcBef>
+          <a:spcPts val="500"/>
+        </a:spcBef>
+        <a:buFont typeface="Arial" panose="020B0604020202020204" pitchFamily="34" charset="0"/>
+        <a:buChar char="•"/>
+        <a:defRPr sz="2000" kern="1200">
+          <a:solidFill>
+            <a:schemeClr val="tx1"/>
+          </a:solidFill>
+          <a:latin typeface="+mn-lt"/>
+          <a:ea typeface="+mn-ea"/>
+          <a:cs typeface="+mn-cs"/>
+        </a:defRPr>
+      </a:lvl3pPr>
+      <a:lvl4pPr marL="1600200" indent="-228600" algn="l" defTabSz="914400" rtl="0" eaLnBrk="1" latinLnBrk="0" hangingPunct="1">
+        <a:lnSpc>
+          <a:spcPct val="90000"/>
+        </a:lnSpc>
+        <a:spcBef>
+          <a:spcPts val="500"/>
+        </a:spcBef>
+        <a:buFont typeface="Arial" panose="020B0604020202020204" pitchFamily="34" charset="0"/>
+        <a:buChar char="•"/>
+        <a:defRPr sz="1800" kern="1200">
+          <a:solidFill>
+            <a:schemeClr val="tx1"/>
+          </a:solidFill>
+          <a:latin typeface="+mn-lt"/>
+          <a:ea typeface="+mn-ea"/>
+          <a:cs typeface="+mn-cs"/>
+        </a:defRPr>
+      </a:lvl4pPr>
+      <a:lvl5pPr marL="2057400" indent="-228600" algn="l" defTabSz="914400" rtl="0" eaLnBrk="1" latinLnBrk="0" hangingPunct="1">
+        <a:lnSpc>
+          <a:spcPct val="90000"/>
+        </a:lnSpc>
+        <a:spcBef>
+          <a:spcPts val="500"/>
+        </a:spcBef>
+        <a:buFont typeface="Arial" panose="020B0604020202020204" pitchFamily="34" charset="0"/>
+        <a:buChar char="•"/>
+        <a:defRPr sz="1800" kern="1200">
+          <a:solidFill>
+            <a:schemeClr val="tx1"/>
+          </a:solidFill>
+          <a:latin typeface="+mn-lt"/>
+          <a:ea typeface="+mn-ea"/>
+          <a:cs typeface="+mn-cs"/>
+        </a:defRPr>
+      </a:lvl5pPr>
+      <a:lvl6pPr marL="2514600" indent="-228600" algn="l" defTabSz="914400" rtl="0" eaLnBrk="1" latinLnBrk="0" hangingPunct="1">
+        <a:lnSpc>
+          <a:spcPct val="90000"/>
+        </a:lnSpc>
+        <a:spcBef>
+          <a:spcPts val="500"/>
+        </a:spcBef>
+        <a:buFont typeface="Arial" panose="020B0604020202020204" pitchFamily="34" charset="0"/>
+        <a:buChar char="•"/>
+        <a:defRPr sz="1800" kern="1200">
+          <a:solidFill>
+            <a:schemeClr val="tx1"/>
+          </a:solidFill>
+          <a:latin typeface="+mn-lt"/>
+          <a:ea typeface="+mn-ea"/>
+          <a:cs typeface="+mn-cs"/>
+        </a:defRPr>
+      </a:lvl6pPr>
+      <a:lvl7pPr marL="2971800" indent="-228600" algn="l" defTabSz="914400" rtl="0" eaLnBrk="1" latinLnBrk="0" hangingPunct="1">
+        <a:lnSpc>
+          <a:spcPct val="90000"/>
+        </a:lnSpc>
+        <a:spcBef>
+          <a:spcPts val="500"/>
+        </a:spcBef>
+        <a:buFont typeface="Arial" panose="020B0604020202020204" pitchFamily="34" charset="0"/>
+        <a:buChar char="•"/>
+        <a:defRPr sz="1800" kern="1200">
+          <a:solidFill>
+            <a:schemeClr val="tx1"/>
+          </a:solidFill>
+          <a:latin typeface="+mn-lt"/>
+          <a:ea typeface="+mn-ea"/>
+          <a:cs typeface="+mn-cs"/>
+        </a:defRPr>
+      </a:lvl7pPr>
+      <a:lvl8pPr marL="3429000" indent="-228600" algn="l" defTabSz="914400" rtl="0" eaLnBrk="1" latinLnBrk="0" hangingPunct="1">
+        <a:lnSpc>
+          <a:spcPct val="90000"/>
+        </a:lnSpc>
+        <a:spcBef>
+          <a:spcPts val="500"/>
+        </a:spcBef>
+        <a:buFont typeface="Arial" panose="020B0604020202020204" pitchFamily="34" charset="0"/>
+        <a:buChar char="•"/>
+        <a:defRPr sz="1800" kern="1200">
+          <a:solidFill>
+            <a:schemeClr val="tx1"/>
+          </a:solidFill>
+          <a:latin typeface="+mn-lt"/>
+          <a:ea typeface="+mn-ea"/>
+          <a:cs typeface="+mn-cs"/>
+        </a:defRPr>
+      </a:lvl8pPr>
+      <a:lvl9pPr marL="3886200" indent="-228600" algn="l" defTabSz="914400" rtl="0" eaLnBrk="1" latinLnBrk="0" hangingPunct="1">
+        <a:lnSpc>
+          <a:spcPct val="90000"/>
+        </a:lnSpc>
+        <a:spcBef>
+          <a:spcPts val="500"/>
+        </a:spcBef>
+        <a:buFont typeface="Arial" panose="020B0604020202020204" pitchFamily="34" charset="0"/>
+        <a:buChar char="•"/>
+        <a:defRPr sz="1800" kern="1200">
+          <a:solidFill>
+            <a:schemeClr val="tx1"/>
+          </a:solidFill>
+          <a:latin typeface="+mn-lt"/>
+          <a:ea typeface="+mn-ea"/>
+          <a:cs typeface="+mn-cs"/>
+        </a:defRPr>
+      </a:lvl9pPr>
+    </p:bodyStyle>
+    <p:otherStyle>
+      <a:defPPr>
+        <a:defRPr lang="nl-NL"/>
+      </a:defPPr>
+      <a:lvl1pPr marL="0" algn="l" defTabSz="914400" rtl="0" eaLnBrk="1" latinLnBrk="0" hangingPunct="1">
+        <a:defRPr sz="1800" kern="1200">
+          <a:solidFill>
+            <a:schemeClr val="tx1"/>
+          </a:solidFill>
+          <a:latin typeface="+mn-lt"/>
+          <a:ea typeface="+mn-ea"/>
+          <a:cs typeface="+mn-cs"/>
+        </a:defRPr>
+      </a:lvl1pPr>
+      <a:lvl2pPr marL="457200" algn="l" defTabSz="914400" rtl="0" eaLnBrk="1" latinLnBrk="0" hangingPunct="1">
+        <a:defRPr sz="1800" kern="1200">
+          <a:solidFill>
+            <a:schemeClr val="tx1"/>
+          </a:solidFill>
+          <a:latin typeface="+mn-lt"/>
+          <a:ea typeface="+mn-ea"/>
+          <a:cs typeface="+mn-cs"/>
+        </a:defRPr>
+      </a:lvl2pPr>
+      <a:lvl3pPr marL="914400" algn="l" defTabSz="914400" rtl="0" eaLnBrk="1" latinLnBrk="0" hangingPunct="1">
+        <a:defRPr sz="1800" kern="1200">
+          <a:solidFill>
+            <a:schemeClr val="tx1"/>
+          </a:solidFill>
+          <a:latin typeface="+mn-lt"/>
+          <a:ea typeface="+mn-ea"/>
+          <a:cs typeface="+mn-cs"/>
+        </a:defRPr>
+      </a:lvl3pPr>
+      <a:lvl4pPr marL="1371600" algn="l" defTabSz="914400" rtl="0" eaLnBrk="1" latinLnBrk="0" hangingPunct="1">
+        <a:defRPr sz="1800" kern="1200">
+          <a:solidFill>
+            <a:schemeClr val="tx1"/>
+          </a:solidFill>
+          <a:latin typeface="+mn-lt"/>
+          <a:ea typeface="+mn-ea"/>
+          <a:cs typeface="+mn-cs"/>
+        </a:defRPr>
+      </a:lvl4pPr>
+      <a:lvl5pPr marL="1828800" algn="l" defTabSz="914400" rtl="0" eaLnBrk="1" latinLnBrk="0" hangingPunct="1">
+        <a:defRPr sz="1800" kern="1200">
+          <a:solidFill>
+            <a:schemeClr val="tx1"/>
+          </a:solidFill>
+          <a:latin typeface="+mn-lt"/>
+          <a:ea typeface="+mn-ea"/>
+          <a:cs typeface="+mn-cs"/>
+        </a:defRPr>
+      </a:lvl5pPr>
+      <a:lvl6pPr marL="2286000" algn="l" defTabSz="914400" rtl="0" eaLnBrk="1" latinLnBrk="0" hangingPunct="1">
+        <a:defRPr sz="1800" kern="1200">
+          <a:solidFill>
+            <a:schemeClr val="tx1"/>
+          </a:solidFill>
+          <a:latin typeface="+mn-lt"/>
+          <a:ea typeface="+mn-ea"/>
+          <a:cs typeface="+mn-cs"/>
+        </a:defRPr>
+      </a:lvl6pPr>
+      <a:lvl7pPr marL="2743200" algn="l" defTabSz="914400" rtl="0" eaLnBrk="1" latinLnBrk="0" hangingPunct="1">
+        <a:defRPr sz="1800" kern="1200">
+          <a:solidFill>
+            <a:schemeClr val="tx1"/>
+          </a:solidFill>
+          <a:latin typeface="+mn-lt"/>
+          <a:ea typeface="+mn-ea"/>
+          <a:cs typeface="+mn-cs"/>
+        </a:defRPr>
+      </a:lvl7pPr>
+      <a:lvl8pPr marL="3200400" algn="l" defTabSz="914400" rtl="0" eaLnBrk="1" latinLnBrk="0" hangingPunct="1">
+        <a:defRPr sz="1800" kern="1200">
+          <a:solidFill>
+            <a:schemeClr val="tx1"/>
+          </a:solidFill>
+          <a:latin typeface="+mn-lt"/>
+          <a:ea typeface="+mn-ea"/>
+          <a:cs typeface="+mn-cs"/>
+        </a:defRPr>
+      </a:lvl8pPr>
+      <a:lvl9pPr marL="3657600" algn="l" defTabSz="914400" rtl="0" eaLnBrk="1" latinLnBrk="0" hangingPunct="1">
+        <a:defRPr sz="1800" kern="1200">
+          <a:solidFill>
+            <a:schemeClr val="tx1"/>
+          </a:solidFill>
+          <a:latin typeface="+mn-lt"/>
+          <a:ea typeface="+mn-ea"/>
+          <a:cs typeface="+mn-cs"/>
+        </a:defRPr>
+      </a:lvl9pPr>
+    </p:otherStyle>
+  </p:txStyles>
 </p:sldMaster>
 </file>
 
 <file path=ppt/slides/slide1.xml><?xml version="1.0" encoding="utf-8"?>
-<p:sld xmlns:a="http://schemas.openxmlformats.org/drawingml/2006/main" xmlns:p="http://schemas.openxmlformats.org/presentationml/2006/main" xmlns:r="http://schemas.openxmlformats.org/officeDocument/2006/relationships" xmlns:p14="http://schemas.microsoft.com/office/powerpoint/2010/main" xmlns:p15="http://schemas.microsoft.com/office/powerpoint/2012/main" xmlns:mc="http://schemas.openxmlformats.org/markup-compatibility/2006">
+<p:sld xmlns:a="http://schemas.openxmlformats.org/drawingml/2006/main" xmlns:r="http://schemas.openxmlformats.org/officeDocument/2006/relationships" xmlns:p="http://schemas.openxmlformats.org/presentationml/2006/main">
   <p:cSld>
     <p:bg>
       <p:bgPr>
         <a:solidFill>
-          <a:srgbClr val="ffffff"/>
+          <a:srgbClr val="FFFFFF"/>
         </a:solidFill>
+        <a:effectLst/>
       </p:bgPr>
     </p:bg>
     <p:spTree>
@@ -3863,6 +4603,7 @@
           <a:bodyPr anchor="ctr">
             <a:normAutofit/>
           </a:bodyPr>
+          <a:lstStyle/>
           <a:p>
             <a:pPr algn="r">
               <a:lnSpc>
@@ -3870,7 +4611,7 @@
               </a:lnSpc>
             </a:pPr>
             <a:r>
-              <a:rPr b="0" lang="en-US" sz="5000" spc="199" strike="noStrike" cap="all">
+              <a:rPr lang="en-US" sz="5000" b="0" strike="noStrike" cap="all" spc="199">
                 <a:solidFill>
                   <a:srgbClr val="474233"/>
                 </a:solidFill>
@@ -3880,7 +4621,7 @@
             </a:r>
             <a:br/>
             <a:r>
-              <a:rPr b="0" lang="en-US" sz="2700" spc="199" strike="noStrike" cap="all">
+              <a:rPr lang="en-US" sz="2700" b="0" strike="noStrike" cap="all" spc="199">
                 <a:solidFill>
                   <a:srgbClr val="474233"/>
                 </a:solidFill>
@@ -3889,9 +4630,9 @@
               <a:t>Project Architecture</a:t>
             </a:r>
             <a:br/>
-            <a:endParaRPr b="0" lang="en-US" sz="2700" spc="-1" strike="noStrike">
-              <a:solidFill>
-                <a:srgbClr val="2e2b21"/>
+            <a:endParaRPr lang="en-US" sz="2700" b="0" strike="noStrike" spc="-1">
+              <a:solidFill>
+                <a:srgbClr val="2E2B21"/>
               </a:solidFill>
               <a:latin typeface="Tw Cen MT"/>
             </a:endParaRPr>
@@ -3906,7 +4647,7 @@
         </p:nvSpPr>
         <p:spPr>
           <a:xfrm>
-            <a:off x="4259520" y="4754880"/>
+            <a:off x="3773745" y="4758375"/>
             <a:ext cx="4975920" cy="1462680"/>
           </a:xfrm>
           <a:prstGeom prst="rect">
@@ -3919,6 +4660,7 @@
         </p:spPr>
         <p:txBody>
           <a:bodyPr anchor="ctr"/>
+          <a:lstStyle/>
           <a:p>
             <a:pPr>
               <a:lnSpc>
@@ -3929,15 +4671,33 @@
               </a:spcAft>
             </a:pPr>
             <a:r>
-              <a:rPr b="0" lang="en-US" sz="1800" spc="-1" strike="noStrike">
+              <a:rPr lang="en-US" sz="1800" b="0" strike="noStrike" spc="-1" dirty="0">
                 <a:solidFill>
                   <a:srgbClr val="474233"/>
                 </a:solidFill>
                 <a:latin typeface="Tw Cen MT"/>
               </a:rPr>
-              <a:t>Neha Bari Tamboli, Diego Cabo and Thomas van Dongen</a:t>
+              <a:t>Neha Bari </a:t>
             </a:r>
-            <a:endParaRPr b="0" lang="en-US" sz="1800" spc="-1" strike="noStrike">
+            <a:r>
+              <a:rPr lang="en-US" sz="1800" b="0" strike="noStrike" spc="-1" dirty="0" err="1">
+                <a:solidFill>
+                  <a:srgbClr val="474233"/>
+                </a:solidFill>
+                <a:latin typeface="Tw Cen MT"/>
+              </a:rPr>
+              <a:t>Tamboli</a:t>
+            </a:r>
+            <a:r>
+              <a:rPr lang="en-US" sz="1800" b="0" strike="noStrike" spc="-1" dirty="0">
+                <a:solidFill>
+                  <a:srgbClr val="474233"/>
+                </a:solidFill>
+                <a:latin typeface="Tw Cen MT"/>
+              </a:rPr>
+              <a:t>, Diego Cabo and Thomas van Dongen</a:t>
+            </a:r>
+            <a:endParaRPr lang="en-US" sz="1800" b="0" strike="noStrike" spc="-1" dirty="0">
               <a:latin typeface="Arial"/>
             </a:endParaRPr>
           </a:p>
@@ -3945,6 +4705,9 @@
       </p:sp>
     </p:spTree>
   </p:cSld>
+  <p:clrMapOvr>
+    <a:masterClrMapping/>
+  </p:clrMapOvr>
   <p:timing>
     <p:tnLst>
       <p:par>
@@ -3953,14 +4716,14 @@
             <p:seq>
               <p:cTn id="2" dur="indefinite" nodeType="mainSeq"/>
               <p:prevCondLst>
-                <p:cond delay="0" evt="onPrev">
+                <p:cond evt="onPrev" delay="0">
                   <p:tgtEl>
                     <p:sldTgt/>
                   </p:tgtEl>
                 </p:cond>
               </p:prevCondLst>
               <p:nextCondLst>
-                <p:cond delay="0" evt="onNext">
+                <p:cond evt="onNext" delay="0">
                   <p:tgtEl>
                     <p:sldTgt/>
                   </p:tgtEl>
@@ -3976,7 +4739,7 @@
 </file>
 
 <file path=ppt/slides/slide2.xml><?xml version="1.0" encoding="utf-8"?>
-<p:sld xmlns:a="http://schemas.openxmlformats.org/drawingml/2006/main" xmlns:p="http://schemas.openxmlformats.org/presentationml/2006/main" xmlns:r="http://schemas.openxmlformats.org/officeDocument/2006/relationships" xmlns:p14="http://schemas.microsoft.com/office/powerpoint/2010/main" xmlns:p15="http://schemas.microsoft.com/office/powerpoint/2012/main" xmlns:mc="http://schemas.openxmlformats.org/markup-compatibility/2006">
+<p:sld xmlns:a="http://schemas.openxmlformats.org/drawingml/2006/main" xmlns:r="http://schemas.openxmlformats.org/officeDocument/2006/relationships" xmlns:p="http://schemas.openxmlformats.org/presentationml/2006/main">
   <p:cSld>
     <p:spTree>
       <p:nvGrpSpPr>
@@ -4013,6 +4776,7 @@
         </p:spPr>
         <p:txBody>
           <a:bodyPr anchor="ctr"/>
+          <a:lstStyle/>
           <a:p>
             <a:pPr>
               <a:lnSpc>
@@ -4020,7 +4784,7 @@
               </a:lnSpc>
             </a:pPr>
             <a:r>
-              <a:rPr b="0" lang="en-US" sz="5000" spc="97" strike="noStrike" cap="all">
+              <a:rPr lang="en-US" sz="5000" b="0" strike="noStrike" cap="all" spc="97">
                 <a:solidFill>
                   <a:srgbClr val="474233"/>
                 </a:solidFill>
@@ -4028,9 +4792,9 @@
               </a:rPr>
               <a:t>How everything works together</a:t>
             </a:r>
-            <a:endParaRPr b="0" lang="en-US" sz="5000" spc="-1" strike="noStrike">
-              <a:solidFill>
-                <a:srgbClr val="2e2b21"/>
+            <a:endParaRPr lang="en-US" sz="5000" b="0" strike="noStrike" spc="-1">
+              <a:solidFill>
+                <a:srgbClr val="2E2B21"/>
               </a:solidFill>
               <a:latin typeface="Tw Cen MT"/>
             </a:endParaRPr>
@@ -4058,10 +4822,11 @@
         </p:spPr>
         <p:txBody>
           <a:bodyPr lIns="45720" rIns="45720"/>
-          <a:p>
-            <a:endParaRPr b="0" lang="en-US" sz="2200" spc="-1" strike="noStrike">
-              <a:solidFill>
-                <a:srgbClr val="2e2b21"/>
+          <a:lstStyle/>
+          <a:p>
+            <a:endParaRPr lang="en-US" sz="2200" b="0" strike="noStrike" spc="-1">
+              <a:solidFill>
+                <a:srgbClr val="2E2B21"/>
               </a:solidFill>
               <a:latin typeface="Tw Cen MT"/>
             </a:endParaRPr>
@@ -4070,18 +4835,18 @@
       </p:sp>
       <p:pic>
         <p:nvPicPr>
-          <p:cNvPr id="90" name="Afbeelding 6" descr=""/>
+          <p:cNvPr id="90" name="Afbeelding 6"/>
           <p:cNvPicPr/>
           <p:nvPr/>
         </p:nvPicPr>
         <p:blipFill>
-          <a:blip r:embed="rId1"/>
+          <a:blip r:embed="rId2"/>
           <a:stretch/>
         </p:blipFill>
         <p:spPr>
           <a:xfrm>
-            <a:off x="1149840" y="2617920"/>
-            <a:ext cx="9468720" cy="2309400"/>
+            <a:off x="2207016" y="1863210"/>
+            <a:ext cx="7354007" cy="1685640"/>
           </a:xfrm>
           <a:prstGeom prst="rect">
             <a:avLst/>
@@ -4091,24 +4856,57 @@
           </a:ln>
         </p:spPr>
       </p:pic>
+      <p:pic>
+        <p:nvPicPr>
+          <p:cNvPr id="6" name="Afbeelding 5">
+            <a:extLst>
+              <a:ext uri="{FF2B5EF4-FFF2-40B4-BE49-F238E27FC236}">
+                <a16:creationId xmlns:a16="http://schemas.microsoft.com/office/drawing/2014/main" id="{8D6D94A8-759D-405E-8D75-34D278828D5C}"/>
+              </a:ext>
+            </a:extLst>
+          </p:cNvPr>
+          <p:cNvPicPr>
+            <a:picLocks noChangeAspect="1"/>
+          </p:cNvPicPr>
+          <p:nvPr/>
+        </p:nvPicPr>
+        <p:blipFill>
+          <a:blip r:embed="rId3"/>
+          <a:stretch>
+            <a:fillRect/>
+          </a:stretch>
+        </p:blipFill>
+        <p:spPr>
+          <a:xfrm>
+            <a:off x="2207016" y="3766090"/>
+            <a:ext cx="7485157" cy="2560119"/>
+          </a:xfrm>
+          <a:prstGeom prst="rect">
+            <a:avLst/>
+          </a:prstGeom>
+        </p:spPr>
+      </p:pic>
     </p:spTree>
   </p:cSld>
+  <p:clrMapOvr>
+    <a:masterClrMapping/>
+  </p:clrMapOvr>
   <p:timing>
     <p:tnLst>
       <p:par>
-        <p:cTn id="3" dur="indefinite" restart="never" nodeType="tmRoot">
+        <p:cTn id="1" dur="indefinite" restart="never" nodeType="tmRoot">
           <p:childTnLst>
             <p:seq>
-              <p:cTn id="4" dur="indefinite" nodeType="mainSeq"/>
+              <p:cTn id="2" dur="indefinite" nodeType="mainSeq"/>
               <p:prevCondLst>
-                <p:cond delay="0" evt="onPrev">
+                <p:cond evt="onPrev" delay="0">
                   <p:tgtEl>
                     <p:sldTgt/>
                   </p:tgtEl>
                 </p:cond>
               </p:prevCondLst>
               <p:nextCondLst>
-                <p:cond delay="0" evt="onNext">
+                <p:cond evt="onNext" delay="0">
                   <p:tgtEl>
                     <p:sldTgt/>
                   </p:tgtEl>
@@ -4124,7 +4922,7 @@
 </file>
 
 <file path=ppt/slides/slide3.xml><?xml version="1.0" encoding="utf-8"?>
-<p:sld xmlns:a="http://schemas.openxmlformats.org/drawingml/2006/main" xmlns:p="http://schemas.openxmlformats.org/presentationml/2006/main" xmlns:r="http://schemas.openxmlformats.org/officeDocument/2006/relationships" xmlns:p14="http://schemas.microsoft.com/office/powerpoint/2010/main" xmlns:p15="http://schemas.microsoft.com/office/powerpoint/2012/main" xmlns:mc="http://schemas.openxmlformats.org/markup-compatibility/2006">
+<p:sld xmlns:a="http://schemas.openxmlformats.org/drawingml/2006/main" xmlns:r="http://schemas.openxmlformats.org/officeDocument/2006/relationships" xmlns:p="http://schemas.openxmlformats.org/presentationml/2006/main">
   <p:cSld>
     <p:spTree>
       <p:nvGrpSpPr>
@@ -4161,6 +4959,7 @@
         </p:spPr>
         <p:txBody>
           <a:bodyPr anchor="ctr"/>
+          <a:lstStyle/>
           <a:p>
             <a:pPr>
               <a:lnSpc>
@@ -4168,7 +4967,7 @@
               </a:lnSpc>
             </a:pPr>
             <a:r>
-              <a:rPr b="0" lang="en-US" sz="5000" spc="97" strike="noStrike" cap="all">
+              <a:rPr lang="en-US" sz="5000" b="0" strike="noStrike" cap="all" spc="97">
                 <a:solidFill>
                   <a:srgbClr val="474233"/>
                 </a:solidFill>
@@ -4176,9 +4975,9 @@
               </a:rPr>
               <a:t>Technology Stack</a:t>
             </a:r>
-            <a:endParaRPr b="0" lang="en-US" sz="5000" spc="-1" strike="noStrike">
-              <a:solidFill>
-                <a:srgbClr val="2e2b21"/>
+            <a:endParaRPr lang="en-US" sz="5000" b="0" strike="noStrike" spc="-1">
+              <a:solidFill>
+                <a:srgbClr val="2E2B21"/>
               </a:solidFill>
               <a:latin typeface="Tw Cen MT"/>
             </a:endParaRPr>
@@ -4187,12 +4986,12 @@
       </p:sp>
       <p:pic>
         <p:nvPicPr>
-          <p:cNvPr id="92" name="Tijdelijke aanduiding voor inhoud 3" descr=""/>
+          <p:cNvPr id="92" name="Tijdelijke aanduiding voor inhoud 3"/>
           <p:cNvPicPr/>
           <p:nvPr/>
         </p:nvPicPr>
         <p:blipFill>
-          <a:blip r:embed="rId1"/>
+          <a:blip r:embed="rId2"/>
           <a:stretch/>
         </p:blipFill>
         <p:spPr>
@@ -4210,22 +5009,25 @@
       </p:pic>
     </p:spTree>
   </p:cSld>
+  <p:clrMapOvr>
+    <a:masterClrMapping/>
+  </p:clrMapOvr>
   <p:timing>
     <p:tnLst>
       <p:par>
-        <p:cTn id="5" dur="indefinite" restart="never" nodeType="tmRoot">
+        <p:cTn id="1" dur="indefinite" restart="never" nodeType="tmRoot">
           <p:childTnLst>
             <p:seq>
-              <p:cTn id="6" dur="indefinite" nodeType="mainSeq"/>
+              <p:cTn id="2" dur="indefinite" nodeType="mainSeq"/>
               <p:prevCondLst>
-                <p:cond delay="0" evt="onPrev">
+                <p:cond evt="onPrev" delay="0">
                   <p:tgtEl>
                     <p:sldTgt/>
                   </p:tgtEl>
                 </p:cond>
               </p:prevCondLst>
               <p:nextCondLst>
-                <p:cond delay="0" evt="onNext">
+                <p:cond evt="onNext" delay="0">
                   <p:tgtEl>
                     <p:sldTgt/>
                   </p:tgtEl>
@@ -4241,7 +5043,7 @@
 </file>
 
 <file path=ppt/slides/slide4.xml><?xml version="1.0" encoding="utf-8"?>
-<p:sld xmlns:a="http://schemas.openxmlformats.org/drawingml/2006/main" xmlns:p="http://schemas.openxmlformats.org/presentationml/2006/main" xmlns:r="http://schemas.openxmlformats.org/officeDocument/2006/relationships" xmlns:p14="http://schemas.microsoft.com/office/powerpoint/2010/main" xmlns:p15="http://schemas.microsoft.com/office/powerpoint/2012/main" xmlns:mc="http://schemas.openxmlformats.org/markup-compatibility/2006">
+<p:sld xmlns:a="http://schemas.openxmlformats.org/drawingml/2006/main" xmlns:r="http://schemas.openxmlformats.org/officeDocument/2006/relationships" xmlns:p="http://schemas.openxmlformats.org/presentationml/2006/main">
   <p:cSld>
     <p:spTree>
       <p:nvGrpSpPr>
@@ -4278,6 +5080,7 @@
         </p:spPr>
         <p:txBody>
           <a:bodyPr anchor="ctr"/>
+          <a:lstStyle/>
           <a:p>
             <a:pPr>
               <a:lnSpc>
@@ -4285,7 +5088,7 @@
               </a:lnSpc>
             </a:pPr>
             <a:r>
-              <a:rPr b="0" lang="en-US" sz="5000" spc="97" strike="noStrike" cap="all">
+              <a:rPr lang="en-US" sz="5000" b="0" strike="noStrike" cap="all" spc="97">
                 <a:solidFill>
                   <a:srgbClr val="474233"/>
                 </a:solidFill>
@@ -4293,9 +5096,9 @@
               </a:rPr>
               <a:t>Front end idea</a:t>
             </a:r>
-            <a:endParaRPr b="0" lang="en-US" sz="5000" spc="-1" strike="noStrike">
-              <a:solidFill>
-                <a:srgbClr val="2e2b21"/>
+            <a:endParaRPr lang="en-US" sz="5000" b="0" strike="noStrike" spc="-1">
+              <a:solidFill>
+                <a:srgbClr val="2E2B21"/>
               </a:solidFill>
               <a:latin typeface="Tw Cen MT"/>
             </a:endParaRPr>
@@ -4304,12 +5107,12 @@
       </p:sp>
       <p:pic>
         <p:nvPicPr>
-          <p:cNvPr id="94" name="Tijdelijke aanduiding voor inhoud 4" descr=""/>
+          <p:cNvPr id="94" name="Tijdelijke aanduiding voor inhoud 4"/>
           <p:cNvPicPr/>
           <p:nvPr/>
         </p:nvPicPr>
         <p:blipFill>
-          <a:blip r:embed="rId1"/>
+          <a:blip r:embed="rId2"/>
           <a:stretch/>
         </p:blipFill>
         <p:spPr>
@@ -4327,22 +5130,25 @@
       </p:pic>
     </p:spTree>
   </p:cSld>
+  <p:clrMapOvr>
+    <a:masterClrMapping/>
+  </p:clrMapOvr>
   <p:timing>
     <p:tnLst>
       <p:par>
-        <p:cTn id="7" dur="indefinite" restart="never" nodeType="tmRoot">
+        <p:cTn id="1" dur="indefinite" restart="never" nodeType="tmRoot">
           <p:childTnLst>
             <p:seq>
-              <p:cTn id="8" dur="indefinite" nodeType="mainSeq"/>
+              <p:cTn id="2" dur="indefinite" nodeType="mainSeq"/>
               <p:prevCondLst>
-                <p:cond delay="0" evt="onPrev">
+                <p:cond evt="onPrev" delay="0">
                   <p:tgtEl>
                     <p:sldTgt/>
                   </p:tgtEl>
                 </p:cond>
               </p:prevCondLst>
               <p:nextCondLst>
-                <p:cond delay="0" evt="onNext">
+                <p:cond evt="onNext" delay="0">
                   <p:tgtEl>
                     <p:sldTgt/>
                   </p:tgtEl>
@@ -4358,7 +5164,7 @@
 </file>
 
 <file path=ppt/slides/slide5.xml><?xml version="1.0" encoding="utf-8"?>
-<p:sld xmlns:a="http://schemas.openxmlformats.org/drawingml/2006/main" xmlns:p="http://schemas.openxmlformats.org/presentationml/2006/main" xmlns:r="http://schemas.openxmlformats.org/officeDocument/2006/relationships" xmlns:p14="http://schemas.microsoft.com/office/powerpoint/2010/main" xmlns:p15="http://schemas.microsoft.com/office/powerpoint/2012/main" xmlns:mc="http://schemas.openxmlformats.org/markup-compatibility/2006">
+<p:sld xmlns:a="http://schemas.openxmlformats.org/drawingml/2006/main" xmlns:r="http://schemas.openxmlformats.org/officeDocument/2006/relationships" xmlns:p="http://schemas.openxmlformats.org/presentationml/2006/main">
   <p:cSld>
     <p:spTree>
       <p:nvGrpSpPr>
@@ -4395,6 +5201,7 @@
         </p:spPr>
         <p:txBody>
           <a:bodyPr anchor="ctr"/>
+          <a:lstStyle/>
           <a:p>
             <a:pPr>
               <a:lnSpc>
@@ -4402,7 +5209,7 @@
               </a:lnSpc>
             </a:pPr>
             <a:r>
-              <a:rPr b="0" lang="en-US" sz="5000" spc="97" strike="noStrike" cap="all">
+              <a:rPr lang="en-US" sz="5000" b="0" strike="noStrike" cap="all" spc="97">
                 <a:solidFill>
                   <a:srgbClr val="474233"/>
                 </a:solidFill>
@@ -4410,9 +5217,9 @@
               </a:rPr>
               <a:t>Database</a:t>
             </a:r>
-            <a:endParaRPr b="0" lang="en-US" sz="5000" spc="-1" strike="noStrike">
-              <a:solidFill>
-                <a:srgbClr val="2e2b21"/>
+            <a:endParaRPr lang="en-US" sz="5000" b="0" strike="noStrike" spc="-1">
+              <a:solidFill>
+                <a:srgbClr val="2E2B21"/>
               </a:solidFill>
               <a:latin typeface="Tw Cen MT"/>
             </a:endParaRPr>
@@ -4421,12 +5228,12 @@
       </p:sp>
       <p:pic>
         <p:nvPicPr>
-          <p:cNvPr id="96" name="Tijdelijke aanduiding voor inhoud 3" descr=""/>
+          <p:cNvPr id="96" name="Tijdelijke aanduiding voor inhoud 3"/>
           <p:cNvPicPr/>
           <p:nvPr/>
         </p:nvPicPr>
         <p:blipFill>
-          <a:blip r:embed="rId1"/>
+          <a:blip r:embed="rId2"/>
           <a:stretch/>
         </p:blipFill>
         <p:spPr>
@@ -4444,22 +5251,25 @@
       </p:pic>
     </p:spTree>
   </p:cSld>
+  <p:clrMapOvr>
+    <a:masterClrMapping/>
+  </p:clrMapOvr>
   <p:timing>
     <p:tnLst>
       <p:par>
-        <p:cTn id="9" dur="indefinite" restart="never" nodeType="tmRoot">
+        <p:cTn id="1" dur="indefinite" restart="never" nodeType="tmRoot">
           <p:childTnLst>
             <p:seq>
-              <p:cTn id="10" dur="indefinite" nodeType="mainSeq"/>
+              <p:cTn id="2" dur="indefinite" nodeType="mainSeq"/>
               <p:prevCondLst>
-                <p:cond delay="0" evt="onPrev">
+                <p:cond evt="onPrev" delay="0">
                   <p:tgtEl>
                     <p:sldTgt/>
                   </p:tgtEl>
                 </p:cond>
               </p:prevCondLst>
               <p:nextCondLst>
-                <p:cond delay="0" evt="onNext">
+                <p:cond evt="onNext" delay="0">
                   <p:tgtEl>
                     <p:sldTgt/>
                   </p:tgtEl>
@@ -4485,34 +5295,34 @@
         <a:sysClr val="window" lastClr="FFFFFF"/>
       </a:lt1>
       <a:dk2>
-        <a:srgbClr val="605b4f"/>
+        <a:srgbClr val="605B4F"/>
       </a:dk2>
       <a:lt2>
-        <a:srgbClr val="d8d6be"/>
+        <a:srgbClr val="D8D6BE"/>
       </a:lt2>
       <a:accent1>
-        <a:srgbClr val="a9a57c"/>
+        <a:srgbClr val="A9A57C"/>
       </a:accent1>
       <a:accent2>
-        <a:srgbClr val="9cbebd"/>
+        <a:srgbClr val="9CBEBD"/>
       </a:accent2>
       <a:accent3>
-        <a:srgbClr val="d2cb6c"/>
+        <a:srgbClr val="D2CB6C"/>
       </a:accent3>
       <a:accent4>
-        <a:srgbClr val="95a39d"/>
+        <a:srgbClr val="95A39D"/>
       </a:accent4>
       <a:accent5>
-        <a:srgbClr val="c89f5d"/>
+        <a:srgbClr val="C89F5D"/>
       </a:accent5>
       <a:accent6>
-        <a:srgbClr val="b1a089"/>
+        <a:srgbClr val="B1A089"/>
       </a:accent6>
       <a:hlink>
-        <a:srgbClr val="d25814"/>
+        <a:srgbClr val="D25814"/>
       </a:hlink>
       <a:folHlink>
-        <a:srgbClr val="849a0a"/>
+        <a:srgbClr val="849A0A"/>
       </a:folHlink>
     </a:clrScheme>
     <a:fontScheme name="Office">
@@ -4694,6 +5504,8 @@
       </a:bgFillStyleLst>
     </a:fmtScheme>
   </a:themeElements>
+  <a:objectDefaults/>
+  <a:extraClrSchemeLst/>
 </a:theme>
 </file>
 
@@ -4708,31 +5520,31 @@
         <a:sysClr val="window" lastClr="FFFFFF"/>
       </a:lt1>
       <a:dk2>
-        <a:srgbClr val="1f497d"/>
+        <a:srgbClr val="1F497D"/>
       </a:dk2>
       <a:lt2>
-        <a:srgbClr val="eeece1"/>
+        <a:srgbClr val="EEECE1"/>
       </a:lt2>
       <a:accent1>
-        <a:srgbClr val="4f81bd"/>
+        <a:srgbClr val="4F81BD"/>
       </a:accent1>
       <a:accent2>
-        <a:srgbClr val="c0504d"/>
+        <a:srgbClr val="C0504D"/>
       </a:accent2>
       <a:accent3>
-        <a:srgbClr val="9bbb59"/>
+        <a:srgbClr val="9BBB59"/>
       </a:accent3>
       <a:accent4>
-        <a:srgbClr val="8064a2"/>
+        <a:srgbClr val="8064A2"/>
       </a:accent4>
       <a:accent5>
-        <a:srgbClr val="4bacc6"/>
+        <a:srgbClr val="4BACC6"/>
       </a:accent5>
       <a:accent6>
-        <a:srgbClr val="f79646"/>
+        <a:srgbClr val="F79646"/>
       </a:accent6>
       <a:hlink>
-        <a:srgbClr val="0000ff"/>
+        <a:srgbClr val="0000FF"/>
       </a:hlink>
       <a:folHlink>
         <a:srgbClr val="800080"/>
@@ -4917,5 +5729,7 @@
       </a:bgFillStyleLst>
     </a:fmtScheme>
   </a:themeElements>
+  <a:objectDefaults/>
+  <a:extraClrSchemeLst/>
 </a:theme>
 </file>